--- a/Week3-GitHub_And_Terraform.pptx
+++ b/Week3-GitHub_And_Terraform.pptx
@@ -115,7 +115,7 @@
   </p:defaultTextStyle>
   <p:extLst>
     <p:ext uri="{EFAFB233-063F-42B5-8137-9DF3F51BA10A}">
-      <p15:sldGuideLst xmlns="" xmlns:p15="http://schemas.microsoft.com/office/powerpoint/2012/main"/>
+      <p15:sldGuideLst xmlns:p15="http://schemas.microsoft.com/office/powerpoint/2012/main" xmlns=""/>
     </p:ext>
   </p:extLst>
 </p:presentation>
@@ -212,7 +212,7 @@
             <a:fld id="{7651AB13-ABA5-4847-94DA-F5822BEE09EB}" type="datetimeFigureOut">
               <a:rPr lang="en-US" smtClean="0"/>
               <a:pPr/>
-              <a:t>7/20/2022</a:t>
+              <a:t>7/21/2022</a:t>
             </a:fld>
             <a:endParaRPr lang="en-US"/>
           </a:p>
@@ -380,7 +380,7 @@
     </p:spTree>
     <p:extLst>
       <p:ext uri="{BB962C8B-B14F-4D97-AF65-F5344CB8AC3E}">
-        <p14:creationId xmlns="" xmlns:p14="http://schemas.microsoft.com/office/powerpoint/2010/main" val="3988433339"/>
+        <p14:creationId xmlns:p14="http://schemas.microsoft.com/office/powerpoint/2010/main" xmlns="" val="3988433339"/>
       </p:ext>
     </p:extLst>
   </p:cSld>
@@ -516,7 +516,7 @@
           <p:cNvPr id="2" name="Title 1">
             <a:extLst>
               <a:ext uri="{FF2B5EF4-FFF2-40B4-BE49-F238E27FC236}">
-                <a16:creationId xmlns="" xmlns:a16="http://schemas.microsoft.com/office/drawing/2014/main" id="{112B2625-7ABF-4BF2-BC92-5B82103D9039}"/>
+                <a16:creationId xmlns:a16="http://schemas.microsoft.com/office/drawing/2014/main" xmlns="" id="{112B2625-7ABF-4BF2-BC92-5B82103D9039}"/>
               </a:ext>
             </a:extLst>
           </p:cNvPr>
@@ -556,7 +556,7 @@
           <p:cNvPr id="3" name="Subtitle 2">
             <a:extLst>
               <a:ext uri="{FF2B5EF4-FFF2-40B4-BE49-F238E27FC236}">
-                <a16:creationId xmlns="" xmlns:a16="http://schemas.microsoft.com/office/drawing/2014/main" id="{991F7C95-01C9-45BA-A0D0-0CB7DE5A1646}"/>
+                <a16:creationId xmlns:a16="http://schemas.microsoft.com/office/drawing/2014/main" xmlns="" id="{991F7C95-01C9-45BA-A0D0-0CB7DE5A1646}"/>
               </a:ext>
             </a:extLst>
           </p:cNvPr>
@@ -630,7 +630,7 @@
           <p:cNvPr id="5" name="Footer Placeholder 4">
             <a:extLst>
               <a:ext uri="{FF2B5EF4-FFF2-40B4-BE49-F238E27FC236}">
-                <a16:creationId xmlns="" xmlns:a16="http://schemas.microsoft.com/office/drawing/2014/main" id="{595FCD56-F0D4-486F-B737-880A04C83B51}"/>
+                <a16:creationId xmlns:a16="http://schemas.microsoft.com/office/drawing/2014/main" xmlns="" id="{595FCD56-F0D4-486F-B737-880A04C83B51}"/>
               </a:ext>
             </a:extLst>
           </p:cNvPr>
@@ -667,7 +667,7 @@
           <p:cNvPr id="6" name="Slide Number Placeholder 5">
             <a:extLst>
               <a:ext uri="{FF2B5EF4-FFF2-40B4-BE49-F238E27FC236}">
-                <a16:creationId xmlns="" xmlns:a16="http://schemas.microsoft.com/office/drawing/2014/main" id="{810175C6-629E-4A6F-B142-7EBA286C5B51}"/>
+                <a16:creationId xmlns:a16="http://schemas.microsoft.com/office/drawing/2014/main" xmlns="" id="{810175C6-629E-4A6F-B142-7EBA286C5B51}"/>
               </a:ext>
             </a:extLst>
           </p:cNvPr>
@@ -702,7 +702,7 @@
           <p:cNvPr id="28" name="Picture 27" descr="STS logo">
             <a:extLst>
               <a:ext uri="{FF2B5EF4-FFF2-40B4-BE49-F238E27FC236}">
-                <a16:creationId xmlns="" xmlns:a16="http://schemas.microsoft.com/office/drawing/2014/main" id="{40C22E9D-8A0E-4D46-BA11-1B56BE517C9B}"/>
+                <a16:creationId xmlns:a16="http://schemas.microsoft.com/office/drawing/2014/main" xmlns="" id="{40C22E9D-8A0E-4D46-BA11-1B56BE517C9B}"/>
               </a:ext>
             </a:extLst>
           </p:cNvPr>
@@ -713,7 +713,7 @@
           <a:blip r:embed="rId3" cstate="print">
             <a:extLst>
               <a:ext uri="{28A0092B-C50C-407E-A947-70E740481C1C}">
-                <a14:useLocalDpi xmlns="" xmlns:a14="http://schemas.microsoft.com/office/drawing/2010/main" val="0"/>
+                <a14:useLocalDpi xmlns:a14="http://schemas.microsoft.com/office/drawing/2010/main" xmlns="" val="0"/>
               </a:ext>
             </a:extLst>
           </a:blip>
@@ -741,7 +741,7 @@
           <p:cNvPr id="4" name="Group 3">
             <a:extLst>
               <a:ext uri="{FF2B5EF4-FFF2-40B4-BE49-F238E27FC236}">
-                <a16:creationId xmlns="" xmlns:a16="http://schemas.microsoft.com/office/drawing/2014/main" id="{2C0C9FC6-8173-4FBD-9A0E-79E81751A7C6}"/>
+                <a16:creationId xmlns:a16="http://schemas.microsoft.com/office/drawing/2014/main" xmlns="" id="{2C0C9FC6-8173-4FBD-9A0E-79E81751A7C6}"/>
               </a:ext>
             </a:extLst>
           </p:cNvPr>
@@ -761,7 +761,7 @@
             <p:cNvPr id="24" name="Freeform: Shape 23">
               <a:extLst>
                 <a:ext uri="{FF2B5EF4-FFF2-40B4-BE49-F238E27FC236}">
-                  <a16:creationId xmlns="" xmlns:a16="http://schemas.microsoft.com/office/drawing/2014/main" id="{CF612AB1-2EAB-417B-AC87-B1C49CCF383E}"/>
+                  <a16:creationId xmlns:a16="http://schemas.microsoft.com/office/drawing/2014/main" xmlns="" id="{CF612AB1-2EAB-417B-AC87-B1C49CCF383E}"/>
                 </a:ext>
               </a:extLst>
             </p:cNvPr>
@@ -943,7 +943,7 @@
             <p:cNvPr id="25" name="Freeform: Shape 24">
               <a:extLst>
                 <a:ext uri="{FF2B5EF4-FFF2-40B4-BE49-F238E27FC236}">
-                  <a16:creationId xmlns="" xmlns:a16="http://schemas.microsoft.com/office/drawing/2014/main" id="{88D9E7A3-97A2-4341-936D-8E6A9B9BBE44}"/>
+                  <a16:creationId xmlns:a16="http://schemas.microsoft.com/office/drawing/2014/main" xmlns="" id="{88D9E7A3-97A2-4341-936D-8E6A9B9BBE44}"/>
                 </a:ext>
               </a:extLst>
             </p:cNvPr>
@@ -1125,7 +1125,7 @@
             <p:cNvPr id="29" name="Oval 28">
               <a:extLst>
                 <a:ext uri="{FF2B5EF4-FFF2-40B4-BE49-F238E27FC236}">
-                  <a16:creationId xmlns="" xmlns:a16="http://schemas.microsoft.com/office/drawing/2014/main" id="{5071D936-13A9-4823-BCA7-B7920C27FFF1}"/>
+                  <a16:creationId xmlns:a16="http://schemas.microsoft.com/office/drawing/2014/main" xmlns="" id="{5071D936-13A9-4823-BCA7-B7920C27FFF1}"/>
                 </a:ext>
               </a:extLst>
             </p:cNvPr>
@@ -1187,7 +1187,7 @@
             <p:cNvPr id="30" name="Oval 29">
               <a:extLst>
                 <a:ext uri="{FF2B5EF4-FFF2-40B4-BE49-F238E27FC236}">
-                  <a16:creationId xmlns="" xmlns:a16="http://schemas.microsoft.com/office/drawing/2014/main" id="{28825A1C-5189-4CEB-90FB-F58BF5AC21FF}"/>
+                  <a16:creationId xmlns:a16="http://schemas.microsoft.com/office/drawing/2014/main" xmlns="" id="{28825A1C-5189-4CEB-90FB-F58BF5AC21FF}"/>
                 </a:ext>
               </a:extLst>
             </p:cNvPr>
@@ -1249,7 +1249,7 @@
             <p:cNvPr id="17" name="Picture 16">
               <a:extLst>
                 <a:ext uri="{FF2B5EF4-FFF2-40B4-BE49-F238E27FC236}">
-                  <a16:creationId xmlns="" xmlns:a16="http://schemas.microsoft.com/office/drawing/2014/main" id="{E113642D-1301-404A-899A-5418E7A1899B}"/>
+                  <a16:creationId xmlns:a16="http://schemas.microsoft.com/office/drawing/2014/main" xmlns="" id="{E113642D-1301-404A-899A-5418E7A1899B}"/>
                 </a:ext>
               </a:extLst>
             </p:cNvPr>
@@ -1260,7 +1260,7 @@
             <a:blip r:embed="rId4" cstate="print">
               <a:extLst>
                 <a:ext uri="{28A0092B-C50C-407E-A947-70E740481C1C}">
-                  <a14:useLocalDpi xmlns="" xmlns:a14="http://schemas.microsoft.com/office/drawing/2010/main" val="0"/>
+                  <a14:useLocalDpi xmlns:a14="http://schemas.microsoft.com/office/drawing/2010/main" xmlns="" val="0"/>
                 </a:ext>
               </a:extLst>
             </a:blip>
@@ -1288,7 +1288,7 @@
             <p:cNvPr id="31" name="Oval 30">
               <a:extLst>
                 <a:ext uri="{FF2B5EF4-FFF2-40B4-BE49-F238E27FC236}">
-                  <a16:creationId xmlns="" xmlns:a16="http://schemas.microsoft.com/office/drawing/2014/main" id="{F6E0BC43-98D5-4F66-93B7-576830748212}"/>
+                  <a16:creationId xmlns:a16="http://schemas.microsoft.com/office/drawing/2014/main" xmlns="" id="{F6E0BC43-98D5-4F66-93B7-576830748212}"/>
                 </a:ext>
               </a:extLst>
             </p:cNvPr>
@@ -1350,7 +1350,7 @@
             <p:cNvPr id="32" name="Oval 31">
               <a:extLst>
                 <a:ext uri="{FF2B5EF4-FFF2-40B4-BE49-F238E27FC236}">
-                  <a16:creationId xmlns="" xmlns:a16="http://schemas.microsoft.com/office/drawing/2014/main" id="{82501B32-70CC-45FE-A472-9E54A506B6CB}"/>
+                  <a16:creationId xmlns:a16="http://schemas.microsoft.com/office/drawing/2014/main" xmlns="" id="{82501B32-70CC-45FE-A472-9E54A506B6CB}"/>
                 </a:ext>
               </a:extLst>
             </p:cNvPr>
@@ -1412,7 +1412,7 @@
             <p:cNvPr id="18" name="Picture 17">
               <a:extLst>
                 <a:ext uri="{FF2B5EF4-FFF2-40B4-BE49-F238E27FC236}">
-                  <a16:creationId xmlns="" xmlns:a16="http://schemas.microsoft.com/office/drawing/2014/main" id="{CF6D9D35-FCAE-468E-80BD-0CAB06A86D95}"/>
+                  <a16:creationId xmlns:a16="http://schemas.microsoft.com/office/drawing/2014/main" xmlns="" id="{CF6D9D35-FCAE-468E-80BD-0CAB06A86D95}"/>
                 </a:ext>
               </a:extLst>
             </p:cNvPr>
@@ -1423,7 +1423,7 @@
             <a:blip r:embed="rId5" cstate="print">
               <a:extLst>
                 <a:ext uri="{28A0092B-C50C-407E-A947-70E740481C1C}">
-                  <a14:useLocalDpi xmlns="" xmlns:a14="http://schemas.microsoft.com/office/drawing/2010/main" val="0"/>
+                  <a14:useLocalDpi xmlns:a14="http://schemas.microsoft.com/office/drawing/2010/main" xmlns="" val="0"/>
                 </a:ext>
               </a:extLst>
             </a:blip>
@@ -1451,7 +1451,7 @@
             <p:cNvPr id="33" name="Oval 32">
               <a:extLst>
                 <a:ext uri="{FF2B5EF4-FFF2-40B4-BE49-F238E27FC236}">
-                  <a16:creationId xmlns="" xmlns:a16="http://schemas.microsoft.com/office/drawing/2014/main" id="{4EA7287F-47E2-4953-9858-21F0B9987911}"/>
+                  <a16:creationId xmlns:a16="http://schemas.microsoft.com/office/drawing/2014/main" xmlns="" id="{4EA7287F-47E2-4953-9858-21F0B9987911}"/>
                 </a:ext>
               </a:extLst>
             </p:cNvPr>
@@ -1513,7 +1513,7 @@
             <p:cNvPr id="34" name="Oval 33">
               <a:extLst>
                 <a:ext uri="{FF2B5EF4-FFF2-40B4-BE49-F238E27FC236}">
-                  <a16:creationId xmlns="" xmlns:a16="http://schemas.microsoft.com/office/drawing/2014/main" id="{C2EDAFE6-663E-44A7-86BC-72A4A9AEF3C6}"/>
+                  <a16:creationId xmlns:a16="http://schemas.microsoft.com/office/drawing/2014/main" xmlns="" id="{C2EDAFE6-663E-44A7-86BC-72A4A9AEF3C6}"/>
                 </a:ext>
               </a:extLst>
             </p:cNvPr>
@@ -1575,7 +1575,7 @@
             <p:cNvPr id="19" name="Picture 18">
               <a:extLst>
                 <a:ext uri="{FF2B5EF4-FFF2-40B4-BE49-F238E27FC236}">
-                  <a16:creationId xmlns="" xmlns:a16="http://schemas.microsoft.com/office/drawing/2014/main" id="{0242A87E-5A05-4A42-837F-EE72A6CB8462}"/>
+                  <a16:creationId xmlns:a16="http://schemas.microsoft.com/office/drawing/2014/main" xmlns="" id="{0242A87E-5A05-4A42-837F-EE72A6CB8462}"/>
                 </a:ext>
               </a:extLst>
             </p:cNvPr>
@@ -1586,7 +1586,7 @@
             <a:blip r:embed="rId6" cstate="print">
               <a:extLst>
                 <a:ext uri="{28A0092B-C50C-407E-A947-70E740481C1C}">
-                  <a14:useLocalDpi xmlns="" xmlns:a14="http://schemas.microsoft.com/office/drawing/2010/main" val="0"/>
+                  <a14:useLocalDpi xmlns:a14="http://schemas.microsoft.com/office/drawing/2010/main" xmlns="" val="0"/>
                 </a:ext>
               </a:extLst>
             </a:blip>
@@ -1615,7 +1615,7 @@
           <p:cNvPr id="42" name="Text Placeholder 41">
             <a:extLst>
               <a:ext uri="{FF2B5EF4-FFF2-40B4-BE49-F238E27FC236}">
-                <a16:creationId xmlns="" xmlns:a16="http://schemas.microsoft.com/office/drawing/2014/main" id="{1446488F-5E1C-4EC4-B41A-3F381FCB588A}"/>
+                <a16:creationId xmlns:a16="http://schemas.microsoft.com/office/drawing/2014/main" xmlns="" id="{1446488F-5E1C-4EC4-B41A-3F381FCB588A}"/>
               </a:ext>
             </a:extLst>
           </p:cNvPr>
@@ -1652,7 +1652,7 @@
     </p:spTree>
     <p:extLst>
       <p:ext uri="{BB962C8B-B14F-4D97-AF65-F5344CB8AC3E}">
-        <p14:creationId xmlns="" xmlns:p14="http://schemas.microsoft.com/office/powerpoint/2010/main" val="1671591331"/>
+        <p14:creationId xmlns:p14="http://schemas.microsoft.com/office/powerpoint/2010/main" xmlns="" val="1671591331"/>
       </p:ext>
     </p:extLst>
   </p:cSld>
@@ -1684,7 +1684,7 @@
           <p:cNvPr id="5" name="Date Placeholder 4">
             <a:extLst>
               <a:ext uri="{FF2B5EF4-FFF2-40B4-BE49-F238E27FC236}">
-                <a16:creationId xmlns="" xmlns:a16="http://schemas.microsoft.com/office/drawing/2014/main" id="{ECACEB30-B969-48B5-AC6B-1C2625C24BC8}"/>
+                <a16:creationId xmlns:a16="http://schemas.microsoft.com/office/drawing/2014/main" xmlns="" id="{ECACEB30-B969-48B5-AC6B-1C2625C24BC8}"/>
               </a:ext>
             </a:extLst>
           </p:cNvPr>
@@ -1703,7 +1703,7 @@
             <a:fld id="{59F9FBD8-59C6-4AA6-841F-90A7F75BF669}" type="datetime1">
               <a:rPr lang="en-US" smtClean="0"/>
               <a:pPr/>
-              <a:t>7/20/2022</a:t>
+              <a:t>7/21/2022</a:t>
             </a:fld>
             <a:endParaRPr lang="en-US"/>
           </a:p>
@@ -1714,7 +1714,7 @@
           <p:cNvPr id="6" name="Footer Placeholder 5">
             <a:extLst>
               <a:ext uri="{FF2B5EF4-FFF2-40B4-BE49-F238E27FC236}">
-                <a16:creationId xmlns="" xmlns:a16="http://schemas.microsoft.com/office/drawing/2014/main" id="{ADE996DD-792B-4462-B825-F9DCB562A838}"/>
+                <a16:creationId xmlns:a16="http://schemas.microsoft.com/office/drawing/2014/main" xmlns="" id="{ADE996DD-792B-4462-B825-F9DCB562A838}"/>
               </a:ext>
             </a:extLst>
           </p:cNvPr>
@@ -1743,7 +1743,7 @@
           <p:cNvPr id="7" name="Slide Number Placeholder 6">
             <a:extLst>
               <a:ext uri="{FF2B5EF4-FFF2-40B4-BE49-F238E27FC236}">
-                <a16:creationId xmlns="" xmlns:a16="http://schemas.microsoft.com/office/drawing/2014/main" id="{77E459DC-5AB8-4C75-87DF-DDC92004AC0B}"/>
+                <a16:creationId xmlns:a16="http://schemas.microsoft.com/office/drawing/2014/main" xmlns="" id="{77E459DC-5AB8-4C75-87DF-DDC92004AC0B}"/>
               </a:ext>
             </a:extLst>
           </p:cNvPr>
@@ -1773,7 +1773,7 @@
           <p:cNvPr id="16" name="Title 1">
             <a:extLst>
               <a:ext uri="{FF2B5EF4-FFF2-40B4-BE49-F238E27FC236}">
-                <a16:creationId xmlns="" xmlns:a16="http://schemas.microsoft.com/office/drawing/2014/main" id="{D66040A0-052A-46CA-9514-CFB2E752982A}"/>
+                <a16:creationId xmlns:a16="http://schemas.microsoft.com/office/drawing/2014/main" xmlns="" id="{D66040A0-052A-46CA-9514-CFB2E752982A}"/>
               </a:ext>
             </a:extLst>
           </p:cNvPr>
@@ -1813,7 +1813,7 @@
           <p:cNvPr id="18" name="Text Placeholder 3">
             <a:extLst>
               <a:ext uri="{FF2B5EF4-FFF2-40B4-BE49-F238E27FC236}">
-                <a16:creationId xmlns="" xmlns:a16="http://schemas.microsoft.com/office/drawing/2014/main" id="{FD24F67C-037C-40A4-80A7-455B4F68F451}"/>
+                <a16:creationId xmlns:a16="http://schemas.microsoft.com/office/drawing/2014/main" xmlns="" id="{FD24F67C-037C-40A4-80A7-455B4F68F451}"/>
               </a:ext>
             </a:extLst>
           </p:cNvPr>
@@ -1859,7 +1859,7 @@
           <p:cNvPr id="19" name="Freeform: Shape 18">
             <a:extLst>
               <a:ext uri="{FF2B5EF4-FFF2-40B4-BE49-F238E27FC236}">
-                <a16:creationId xmlns="" xmlns:a16="http://schemas.microsoft.com/office/drawing/2014/main" id="{10196876-15BC-45B7-9011-B7E2BA5005CC}"/>
+                <a16:creationId xmlns:a16="http://schemas.microsoft.com/office/drawing/2014/main" xmlns="" id="{10196876-15BC-45B7-9011-B7E2BA5005CC}"/>
               </a:ext>
             </a:extLst>
           </p:cNvPr>
@@ -2041,7 +2041,7 @@
           <p:cNvPr id="20" name="Freeform: Shape 19">
             <a:extLst>
               <a:ext uri="{FF2B5EF4-FFF2-40B4-BE49-F238E27FC236}">
-                <a16:creationId xmlns="" xmlns:a16="http://schemas.microsoft.com/office/drawing/2014/main" id="{CF71F4EA-683A-4AE7-AD40-D6C37FEB21CF}"/>
+                <a16:creationId xmlns:a16="http://schemas.microsoft.com/office/drawing/2014/main" xmlns="" id="{CF71F4EA-683A-4AE7-AD40-D6C37FEB21CF}"/>
               </a:ext>
             </a:extLst>
           </p:cNvPr>
@@ -2223,7 +2223,7 @@
           <p:cNvPr id="21" name="Picture Placeholder 2">
             <a:extLst>
               <a:ext uri="{FF2B5EF4-FFF2-40B4-BE49-F238E27FC236}">
-                <a16:creationId xmlns="" xmlns:a16="http://schemas.microsoft.com/office/drawing/2014/main" id="{D8A0295F-513A-4E8C-8E91-5EABF005977A}"/>
+                <a16:creationId xmlns:a16="http://schemas.microsoft.com/office/drawing/2014/main" xmlns="" id="{D8A0295F-513A-4E8C-8E91-5EABF005977A}"/>
               </a:ext>
             </a:extLst>
           </p:cNvPr>
@@ -2297,7 +2297,7 @@
           <p:cNvPr id="22" name="Text Placeholder 16">
             <a:extLst>
               <a:ext uri="{FF2B5EF4-FFF2-40B4-BE49-F238E27FC236}">
-                <a16:creationId xmlns="" xmlns:a16="http://schemas.microsoft.com/office/drawing/2014/main" id="{36E2701C-CAA6-4137-A540-2BB746153C7A}"/>
+                <a16:creationId xmlns:a16="http://schemas.microsoft.com/office/drawing/2014/main" xmlns="" id="{36E2701C-CAA6-4137-A540-2BB746153C7A}"/>
               </a:ext>
             </a:extLst>
           </p:cNvPr>
@@ -2357,7 +2357,7 @@
     </p:spTree>
     <p:extLst>
       <p:ext uri="{BB962C8B-B14F-4D97-AF65-F5344CB8AC3E}">
-        <p14:creationId xmlns="" xmlns:p14="http://schemas.microsoft.com/office/powerpoint/2010/main" val="2604680409"/>
+        <p14:creationId xmlns:p14="http://schemas.microsoft.com/office/powerpoint/2010/main" xmlns="" val="2604680409"/>
       </p:ext>
     </p:extLst>
   </p:cSld>
@@ -2389,7 +2389,7 @@
           <p:cNvPr id="5" name="Date Placeholder 4">
             <a:extLst>
               <a:ext uri="{FF2B5EF4-FFF2-40B4-BE49-F238E27FC236}">
-                <a16:creationId xmlns="" xmlns:a16="http://schemas.microsoft.com/office/drawing/2014/main" id="{ECACEB30-B969-48B5-AC6B-1C2625C24BC8}"/>
+                <a16:creationId xmlns:a16="http://schemas.microsoft.com/office/drawing/2014/main" xmlns="" id="{ECACEB30-B969-48B5-AC6B-1C2625C24BC8}"/>
               </a:ext>
             </a:extLst>
           </p:cNvPr>
@@ -2408,7 +2408,7 @@
             <a:fld id="{59F9FBD8-59C6-4AA6-841F-90A7F75BF669}" type="datetime1">
               <a:rPr lang="en-US" smtClean="0"/>
               <a:pPr/>
-              <a:t>7/20/2022</a:t>
+              <a:t>7/21/2022</a:t>
             </a:fld>
             <a:endParaRPr lang="en-US"/>
           </a:p>
@@ -2419,7 +2419,7 @@
           <p:cNvPr id="6" name="Footer Placeholder 5">
             <a:extLst>
               <a:ext uri="{FF2B5EF4-FFF2-40B4-BE49-F238E27FC236}">
-                <a16:creationId xmlns="" xmlns:a16="http://schemas.microsoft.com/office/drawing/2014/main" id="{ADE996DD-792B-4462-B825-F9DCB562A838}"/>
+                <a16:creationId xmlns:a16="http://schemas.microsoft.com/office/drawing/2014/main" xmlns="" id="{ADE996DD-792B-4462-B825-F9DCB562A838}"/>
               </a:ext>
             </a:extLst>
           </p:cNvPr>
@@ -2448,7 +2448,7 @@
           <p:cNvPr id="7" name="Slide Number Placeholder 6">
             <a:extLst>
               <a:ext uri="{FF2B5EF4-FFF2-40B4-BE49-F238E27FC236}">
-                <a16:creationId xmlns="" xmlns:a16="http://schemas.microsoft.com/office/drawing/2014/main" id="{77E459DC-5AB8-4C75-87DF-DDC92004AC0B}"/>
+                <a16:creationId xmlns:a16="http://schemas.microsoft.com/office/drawing/2014/main" xmlns="" id="{77E459DC-5AB8-4C75-87DF-DDC92004AC0B}"/>
               </a:ext>
             </a:extLst>
           </p:cNvPr>
@@ -2478,7 +2478,7 @@
           <p:cNvPr id="16" name="Title 1">
             <a:extLst>
               <a:ext uri="{FF2B5EF4-FFF2-40B4-BE49-F238E27FC236}">
-                <a16:creationId xmlns="" xmlns:a16="http://schemas.microsoft.com/office/drawing/2014/main" id="{D66040A0-052A-46CA-9514-CFB2E752982A}"/>
+                <a16:creationId xmlns:a16="http://schemas.microsoft.com/office/drawing/2014/main" xmlns="" id="{D66040A0-052A-46CA-9514-CFB2E752982A}"/>
               </a:ext>
             </a:extLst>
           </p:cNvPr>
@@ -2518,7 +2518,7 @@
           <p:cNvPr id="18" name="Text Placeholder 3">
             <a:extLst>
               <a:ext uri="{FF2B5EF4-FFF2-40B4-BE49-F238E27FC236}">
-                <a16:creationId xmlns="" xmlns:a16="http://schemas.microsoft.com/office/drawing/2014/main" id="{FD24F67C-037C-40A4-80A7-455B4F68F451}"/>
+                <a16:creationId xmlns:a16="http://schemas.microsoft.com/office/drawing/2014/main" xmlns="" id="{FD24F67C-037C-40A4-80A7-455B4F68F451}"/>
               </a:ext>
             </a:extLst>
           </p:cNvPr>
@@ -2564,7 +2564,7 @@
           <p:cNvPr id="19" name="Freeform: Shape 18">
             <a:extLst>
               <a:ext uri="{FF2B5EF4-FFF2-40B4-BE49-F238E27FC236}">
-                <a16:creationId xmlns="" xmlns:a16="http://schemas.microsoft.com/office/drawing/2014/main" id="{10196876-15BC-45B7-9011-B7E2BA5005CC}"/>
+                <a16:creationId xmlns:a16="http://schemas.microsoft.com/office/drawing/2014/main" xmlns="" id="{10196876-15BC-45B7-9011-B7E2BA5005CC}"/>
               </a:ext>
             </a:extLst>
           </p:cNvPr>
@@ -2746,7 +2746,7 @@
           <p:cNvPr id="20" name="Freeform: Shape 19">
             <a:extLst>
               <a:ext uri="{FF2B5EF4-FFF2-40B4-BE49-F238E27FC236}">
-                <a16:creationId xmlns="" xmlns:a16="http://schemas.microsoft.com/office/drawing/2014/main" id="{CF71F4EA-683A-4AE7-AD40-D6C37FEB21CF}"/>
+                <a16:creationId xmlns:a16="http://schemas.microsoft.com/office/drawing/2014/main" xmlns="" id="{CF71F4EA-683A-4AE7-AD40-D6C37FEB21CF}"/>
               </a:ext>
             </a:extLst>
           </p:cNvPr>
@@ -2928,7 +2928,7 @@
           <p:cNvPr id="21" name="Picture Placeholder 2">
             <a:extLst>
               <a:ext uri="{FF2B5EF4-FFF2-40B4-BE49-F238E27FC236}">
-                <a16:creationId xmlns="" xmlns:a16="http://schemas.microsoft.com/office/drawing/2014/main" id="{D8A0295F-513A-4E8C-8E91-5EABF005977A}"/>
+                <a16:creationId xmlns:a16="http://schemas.microsoft.com/office/drawing/2014/main" xmlns="" id="{D8A0295F-513A-4E8C-8E91-5EABF005977A}"/>
               </a:ext>
             </a:extLst>
           </p:cNvPr>
@@ -3002,7 +3002,7 @@
           <p:cNvPr id="22" name="Text Placeholder 16">
             <a:extLst>
               <a:ext uri="{FF2B5EF4-FFF2-40B4-BE49-F238E27FC236}">
-                <a16:creationId xmlns="" xmlns:a16="http://schemas.microsoft.com/office/drawing/2014/main" id="{36E2701C-CAA6-4137-A540-2BB746153C7A}"/>
+                <a16:creationId xmlns:a16="http://schemas.microsoft.com/office/drawing/2014/main" xmlns="" id="{36E2701C-CAA6-4137-A540-2BB746153C7A}"/>
               </a:ext>
             </a:extLst>
           </p:cNvPr>
@@ -3062,7 +3062,7 @@
     </p:spTree>
     <p:extLst>
       <p:ext uri="{BB962C8B-B14F-4D97-AF65-F5344CB8AC3E}">
-        <p14:creationId xmlns="" xmlns:p14="http://schemas.microsoft.com/office/powerpoint/2010/main" val="3712153743"/>
+        <p14:creationId xmlns:p14="http://schemas.microsoft.com/office/powerpoint/2010/main" xmlns="" val="3712153743"/>
       </p:ext>
     </p:extLst>
   </p:cSld>
@@ -3094,7 +3094,7 @@
           <p:cNvPr id="7" name="Rectangle 6">
             <a:extLst>
               <a:ext uri="{FF2B5EF4-FFF2-40B4-BE49-F238E27FC236}">
-                <a16:creationId xmlns="" xmlns:a16="http://schemas.microsoft.com/office/drawing/2014/main" id="{0EABE626-1725-4D4A-A4DA-AFBDC6452231}"/>
+                <a16:creationId xmlns:a16="http://schemas.microsoft.com/office/drawing/2014/main" xmlns="" id="{0EABE626-1725-4D4A-A4DA-AFBDC6452231}"/>
               </a:ext>
             </a:extLst>
           </p:cNvPr>
@@ -3169,7 +3169,7 @@
           <p:cNvPr id="20" name="Picture Placeholder 19">
             <a:extLst>
               <a:ext uri="{FF2B5EF4-FFF2-40B4-BE49-F238E27FC236}">
-                <a16:creationId xmlns="" xmlns:a16="http://schemas.microsoft.com/office/drawing/2014/main" id="{D40AF1B2-2572-49D4-89AB-3F3A524C4F8E}"/>
+                <a16:creationId xmlns:a16="http://schemas.microsoft.com/office/drawing/2014/main" xmlns="" id="{D40AF1B2-2572-49D4-89AB-3F3A524C4F8E}"/>
               </a:ext>
             </a:extLst>
           </p:cNvPr>
@@ -3215,7 +3215,7 @@
           <p:cNvPr id="2" name="Title 1">
             <a:extLst>
               <a:ext uri="{FF2B5EF4-FFF2-40B4-BE49-F238E27FC236}">
-                <a16:creationId xmlns="" xmlns:a16="http://schemas.microsoft.com/office/drawing/2014/main" id="{3B77FB0C-87D8-41A4-A26B-7BBAA62444F5}"/>
+                <a16:creationId xmlns:a16="http://schemas.microsoft.com/office/drawing/2014/main" xmlns="" id="{3B77FB0C-87D8-41A4-A26B-7BBAA62444F5}"/>
               </a:ext>
             </a:extLst>
           </p:cNvPr>
@@ -3248,7 +3248,7 @@
           <p:cNvPr id="3" name="Date Placeholder 2">
             <a:extLst>
               <a:ext uri="{FF2B5EF4-FFF2-40B4-BE49-F238E27FC236}">
-                <a16:creationId xmlns="" xmlns:a16="http://schemas.microsoft.com/office/drawing/2014/main" id="{5CBB3E09-BDA2-4BCA-81D5-5B6C344F6F0C}"/>
+                <a16:creationId xmlns:a16="http://schemas.microsoft.com/office/drawing/2014/main" xmlns="" id="{5CBB3E09-BDA2-4BCA-81D5-5B6C344F6F0C}"/>
               </a:ext>
             </a:extLst>
           </p:cNvPr>
@@ -3267,7 +3267,7 @@
             <a:fld id="{98C016EF-E8B0-4E8F-9030-8696A0D2C66B}" type="datetime1">
               <a:rPr lang="en-US" smtClean="0"/>
               <a:pPr/>
-              <a:t>7/20/2022</a:t>
+              <a:t>7/21/2022</a:t>
             </a:fld>
             <a:endParaRPr lang="en-US"/>
           </a:p>
@@ -3278,7 +3278,7 @@
           <p:cNvPr id="4" name="Footer Placeholder 3">
             <a:extLst>
               <a:ext uri="{FF2B5EF4-FFF2-40B4-BE49-F238E27FC236}">
-                <a16:creationId xmlns="" xmlns:a16="http://schemas.microsoft.com/office/drawing/2014/main" id="{BED28AFE-3354-4958-90B4-D2297473634E}"/>
+                <a16:creationId xmlns:a16="http://schemas.microsoft.com/office/drawing/2014/main" xmlns="" id="{BED28AFE-3354-4958-90B4-D2297473634E}"/>
               </a:ext>
             </a:extLst>
           </p:cNvPr>
@@ -3307,7 +3307,7 @@
           <p:cNvPr id="5" name="Slide Number Placeholder 4">
             <a:extLst>
               <a:ext uri="{FF2B5EF4-FFF2-40B4-BE49-F238E27FC236}">
-                <a16:creationId xmlns="" xmlns:a16="http://schemas.microsoft.com/office/drawing/2014/main" id="{A29980F7-8BE0-424D-9B6B-C95A2BEC473C}"/>
+                <a16:creationId xmlns:a16="http://schemas.microsoft.com/office/drawing/2014/main" xmlns="" id="{A29980F7-8BE0-424D-9B6B-C95A2BEC473C}"/>
               </a:ext>
             </a:extLst>
           </p:cNvPr>
@@ -3337,7 +3337,7 @@
           <p:cNvPr id="16" name="Text Placeholder 15">
             <a:extLst>
               <a:ext uri="{FF2B5EF4-FFF2-40B4-BE49-F238E27FC236}">
-                <a16:creationId xmlns="" xmlns:a16="http://schemas.microsoft.com/office/drawing/2014/main" id="{8631D3BB-8C9E-4B72-B00C-F7E3671326C5}"/>
+                <a16:creationId xmlns:a16="http://schemas.microsoft.com/office/drawing/2014/main" xmlns="" id="{8631D3BB-8C9E-4B72-B00C-F7E3671326C5}"/>
               </a:ext>
             </a:extLst>
           </p:cNvPr>
@@ -3397,7 +3397,7 @@
     </p:spTree>
     <p:extLst>
       <p:ext uri="{BB962C8B-B14F-4D97-AF65-F5344CB8AC3E}">
-        <p14:creationId xmlns="" xmlns:p14="http://schemas.microsoft.com/office/powerpoint/2010/main" val="3673864704"/>
+        <p14:creationId xmlns:p14="http://schemas.microsoft.com/office/powerpoint/2010/main" xmlns="" val="3673864704"/>
       </p:ext>
     </p:extLst>
   </p:cSld>
@@ -3429,7 +3429,7 @@
           <p:cNvPr id="2" name="Title 1">
             <a:extLst>
               <a:ext uri="{FF2B5EF4-FFF2-40B4-BE49-F238E27FC236}">
-                <a16:creationId xmlns="" xmlns:a16="http://schemas.microsoft.com/office/drawing/2014/main" id="{3A202FF3-5E89-44E9-86AD-A20DBF77600D}"/>
+                <a16:creationId xmlns:a16="http://schemas.microsoft.com/office/drawing/2014/main" xmlns="" id="{3A202FF3-5E89-44E9-86AD-A20DBF77600D}"/>
               </a:ext>
             </a:extLst>
           </p:cNvPr>
@@ -3462,7 +3462,7 @@
           <p:cNvPr id="3" name="Vertical Text Placeholder 2">
             <a:extLst>
               <a:ext uri="{FF2B5EF4-FFF2-40B4-BE49-F238E27FC236}">
-                <a16:creationId xmlns="" xmlns:a16="http://schemas.microsoft.com/office/drawing/2014/main" id="{710BCDCE-1D3E-4AE7-8E76-B8350D524EF3}"/>
+                <a16:creationId xmlns:a16="http://schemas.microsoft.com/office/drawing/2014/main" xmlns="" id="{710BCDCE-1D3E-4AE7-8E76-B8350D524EF3}"/>
               </a:ext>
             </a:extLst>
           </p:cNvPr>
@@ -3519,7 +3519,7 @@
           <p:cNvPr id="4" name="Date Placeholder 3">
             <a:extLst>
               <a:ext uri="{FF2B5EF4-FFF2-40B4-BE49-F238E27FC236}">
-                <a16:creationId xmlns="" xmlns:a16="http://schemas.microsoft.com/office/drawing/2014/main" id="{2F7933BD-E2DD-428A-9CE9-9BE97C7C151A}"/>
+                <a16:creationId xmlns:a16="http://schemas.microsoft.com/office/drawing/2014/main" xmlns="" id="{2F7933BD-E2DD-428A-9CE9-9BE97C7C151A}"/>
               </a:ext>
             </a:extLst>
           </p:cNvPr>
@@ -3538,7 +3538,7 @@
             <a:fld id="{8C1A702D-6596-4963-8546-E8A96CE8F3FB}" type="datetime1">
               <a:rPr lang="en-US" smtClean="0"/>
               <a:pPr/>
-              <a:t>7/20/2022</a:t>
+              <a:t>7/21/2022</a:t>
             </a:fld>
             <a:endParaRPr lang="en-US"/>
           </a:p>
@@ -3549,7 +3549,7 @@
           <p:cNvPr id="5" name="Footer Placeholder 4">
             <a:extLst>
               <a:ext uri="{FF2B5EF4-FFF2-40B4-BE49-F238E27FC236}">
-                <a16:creationId xmlns="" xmlns:a16="http://schemas.microsoft.com/office/drawing/2014/main" id="{8C349781-0E29-4EFA-80BA-095ADB90AD26}"/>
+                <a16:creationId xmlns:a16="http://schemas.microsoft.com/office/drawing/2014/main" xmlns="" id="{8C349781-0E29-4EFA-80BA-095ADB90AD26}"/>
               </a:ext>
             </a:extLst>
           </p:cNvPr>
@@ -3578,7 +3578,7 @@
           <p:cNvPr id="6" name="Slide Number Placeholder 5">
             <a:extLst>
               <a:ext uri="{FF2B5EF4-FFF2-40B4-BE49-F238E27FC236}">
-                <a16:creationId xmlns="" xmlns:a16="http://schemas.microsoft.com/office/drawing/2014/main" id="{43A860A4-6A22-4F76-B5D3-605AB42B7E7A}"/>
+                <a16:creationId xmlns:a16="http://schemas.microsoft.com/office/drawing/2014/main" xmlns="" id="{43A860A4-6A22-4F76-B5D3-605AB42B7E7A}"/>
               </a:ext>
             </a:extLst>
           </p:cNvPr>
@@ -3606,7 +3606,7 @@
     </p:spTree>
     <p:extLst>
       <p:ext uri="{BB962C8B-B14F-4D97-AF65-F5344CB8AC3E}">
-        <p14:creationId xmlns="" xmlns:p14="http://schemas.microsoft.com/office/powerpoint/2010/main" val="2342445925"/>
+        <p14:creationId xmlns:p14="http://schemas.microsoft.com/office/powerpoint/2010/main" xmlns="" val="2342445925"/>
       </p:ext>
     </p:extLst>
   </p:cSld>
@@ -3638,7 +3638,7 @@
           <p:cNvPr id="2" name="Vertical Title 1">
             <a:extLst>
               <a:ext uri="{FF2B5EF4-FFF2-40B4-BE49-F238E27FC236}">
-                <a16:creationId xmlns="" xmlns:a16="http://schemas.microsoft.com/office/drawing/2014/main" id="{721A0B83-D82D-4D1A-9977-D7FC705338C8}"/>
+                <a16:creationId xmlns:a16="http://schemas.microsoft.com/office/drawing/2014/main" xmlns="" id="{721A0B83-D82D-4D1A-9977-D7FC705338C8}"/>
               </a:ext>
             </a:extLst>
           </p:cNvPr>
@@ -3671,7 +3671,7 @@
           <p:cNvPr id="3" name="Vertical Text Placeholder 2">
             <a:extLst>
               <a:ext uri="{FF2B5EF4-FFF2-40B4-BE49-F238E27FC236}">
-                <a16:creationId xmlns="" xmlns:a16="http://schemas.microsoft.com/office/drawing/2014/main" id="{62C7DB08-4962-4AEA-A4C5-4C399532D391}"/>
+                <a16:creationId xmlns:a16="http://schemas.microsoft.com/office/drawing/2014/main" xmlns="" id="{62C7DB08-4962-4AEA-A4C5-4C399532D391}"/>
               </a:ext>
             </a:extLst>
           </p:cNvPr>
@@ -3733,7 +3733,7 @@
           <p:cNvPr id="4" name="Date Placeholder 3">
             <a:extLst>
               <a:ext uri="{FF2B5EF4-FFF2-40B4-BE49-F238E27FC236}">
-                <a16:creationId xmlns="" xmlns:a16="http://schemas.microsoft.com/office/drawing/2014/main" id="{1B3A2E41-5B23-4D58-A5B7-6DC4C8D2DA22}"/>
+                <a16:creationId xmlns:a16="http://schemas.microsoft.com/office/drawing/2014/main" xmlns="" id="{1B3A2E41-5B23-4D58-A5B7-6DC4C8D2DA22}"/>
               </a:ext>
             </a:extLst>
           </p:cNvPr>
@@ -3757,7 +3757,7 @@
             <a:fld id="{129368F7-B0F4-4670-85D8-F1995DD69AAD}" type="datetime1">
               <a:rPr lang="en-US" smtClean="0"/>
               <a:pPr/>
-              <a:t>7/20/2022</a:t>
+              <a:t>7/21/2022</a:t>
             </a:fld>
             <a:endParaRPr lang="en-US"/>
           </a:p>
@@ -3768,7 +3768,7 @@
           <p:cNvPr id="5" name="Footer Placeholder 4">
             <a:extLst>
               <a:ext uri="{FF2B5EF4-FFF2-40B4-BE49-F238E27FC236}">
-                <a16:creationId xmlns="" xmlns:a16="http://schemas.microsoft.com/office/drawing/2014/main" id="{C53B0D35-7441-40D5-8F39-9ABD313D4871}"/>
+                <a16:creationId xmlns:a16="http://schemas.microsoft.com/office/drawing/2014/main" xmlns="" id="{C53B0D35-7441-40D5-8F39-9ABD313D4871}"/>
               </a:ext>
             </a:extLst>
           </p:cNvPr>
@@ -3802,7 +3802,7 @@
           <p:cNvPr id="6" name="Slide Number Placeholder 5">
             <a:extLst>
               <a:ext uri="{FF2B5EF4-FFF2-40B4-BE49-F238E27FC236}">
-                <a16:creationId xmlns="" xmlns:a16="http://schemas.microsoft.com/office/drawing/2014/main" id="{AAB27A62-3BEF-475D-8B9C-2BF353C76141}"/>
+                <a16:creationId xmlns:a16="http://schemas.microsoft.com/office/drawing/2014/main" xmlns="" id="{AAB27A62-3BEF-475D-8B9C-2BF353C76141}"/>
               </a:ext>
             </a:extLst>
           </p:cNvPr>
@@ -3837,7 +3837,7 @@
           <p:cNvPr id="7" name="Picture 6">
             <a:extLst>
               <a:ext uri="{FF2B5EF4-FFF2-40B4-BE49-F238E27FC236}">
-                <a16:creationId xmlns="" xmlns:a16="http://schemas.microsoft.com/office/drawing/2014/main" id="{D128A7CF-CBDA-434A-AC65-1FF69E3C2EE7}"/>
+                <a16:creationId xmlns:a16="http://schemas.microsoft.com/office/drawing/2014/main" xmlns="" id="{D128A7CF-CBDA-434A-AC65-1FF69E3C2EE7}"/>
               </a:ext>
             </a:extLst>
           </p:cNvPr>
@@ -3850,7 +3850,7 @@
           <a:blip r:embed="rId2" cstate="print">
             <a:extLst>
               <a:ext uri="{28A0092B-C50C-407E-A947-70E740481C1C}">
-                <a14:useLocalDpi xmlns="" xmlns:a14="http://schemas.microsoft.com/office/drawing/2010/main" val="0"/>
+                <a14:useLocalDpi xmlns:a14="http://schemas.microsoft.com/office/drawing/2010/main" xmlns="" val="0"/>
               </a:ext>
             </a:extLst>
           </a:blip>
@@ -3871,7 +3871,7 @@
     </p:spTree>
     <p:extLst>
       <p:ext uri="{BB962C8B-B14F-4D97-AF65-F5344CB8AC3E}">
-        <p14:creationId xmlns="" xmlns:p14="http://schemas.microsoft.com/office/powerpoint/2010/main" val="492934333"/>
+        <p14:creationId xmlns:p14="http://schemas.microsoft.com/office/powerpoint/2010/main" xmlns="" val="492934333"/>
       </p:ext>
     </p:extLst>
   </p:cSld>
@@ -3917,7 +3917,7 @@
           <p:cNvPr id="2" name="Title 1">
             <a:extLst>
               <a:ext uri="{FF2B5EF4-FFF2-40B4-BE49-F238E27FC236}">
-                <a16:creationId xmlns="" xmlns:a16="http://schemas.microsoft.com/office/drawing/2014/main" id="{DCEA4324-FE29-4D05-B119-F85C82BE30EF}"/>
+                <a16:creationId xmlns:a16="http://schemas.microsoft.com/office/drawing/2014/main" xmlns="" id="{DCEA4324-FE29-4D05-B119-F85C82BE30EF}"/>
               </a:ext>
             </a:extLst>
           </p:cNvPr>
@@ -3950,7 +3950,7 @@
           <p:cNvPr id="3" name="Date Placeholder 2">
             <a:extLst>
               <a:ext uri="{FF2B5EF4-FFF2-40B4-BE49-F238E27FC236}">
-                <a16:creationId xmlns="" xmlns:a16="http://schemas.microsoft.com/office/drawing/2014/main" id="{A680DC70-26AC-4986-B101-788D0B4562A3}"/>
+                <a16:creationId xmlns:a16="http://schemas.microsoft.com/office/drawing/2014/main" xmlns="" id="{A680DC70-26AC-4986-B101-788D0B4562A3}"/>
               </a:ext>
             </a:extLst>
           </p:cNvPr>
@@ -3969,7 +3969,7 @@
             <a:fld id="{98C016EF-E8B0-4E8F-9030-8696A0D2C66B}" type="datetime1">
               <a:rPr lang="en-US" smtClean="0"/>
               <a:pPr/>
-              <a:t>7/20/2022</a:t>
+              <a:t>7/21/2022</a:t>
             </a:fld>
             <a:endParaRPr lang="en-US"/>
           </a:p>
@@ -3980,7 +3980,7 @@
           <p:cNvPr id="4" name="Footer Placeholder 3">
             <a:extLst>
               <a:ext uri="{FF2B5EF4-FFF2-40B4-BE49-F238E27FC236}">
-                <a16:creationId xmlns="" xmlns:a16="http://schemas.microsoft.com/office/drawing/2014/main" id="{43577B38-6A48-457A-B346-D46C7F16818A}"/>
+                <a16:creationId xmlns:a16="http://schemas.microsoft.com/office/drawing/2014/main" xmlns="" id="{43577B38-6A48-457A-B346-D46C7F16818A}"/>
               </a:ext>
             </a:extLst>
           </p:cNvPr>
@@ -4014,7 +4014,7 @@
           <p:cNvPr id="5" name="Slide Number Placeholder 4">
             <a:extLst>
               <a:ext uri="{FF2B5EF4-FFF2-40B4-BE49-F238E27FC236}">
-                <a16:creationId xmlns="" xmlns:a16="http://schemas.microsoft.com/office/drawing/2014/main" id="{537D53A4-8687-40CB-AF9B-32F14882AF24}"/>
+                <a16:creationId xmlns:a16="http://schemas.microsoft.com/office/drawing/2014/main" xmlns="" id="{537D53A4-8687-40CB-AF9B-32F14882AF24}"/>
               </a:ext>
             </a:extLst>
           </p:cNvPr>
@@ -4044,7 +4044,7 @@
           <p:cNvPr id="6" name="Picture 5" descr="STS logo">
             <a:extLst>
               <a:ext uri="{FF2B5EF4-FFF2-40B4-BE49-F238E27FC236}">
-                <a16:creationId xmlns="" xmlns:a16="http://schemas.microsoft.com/office/drawing/2014/main" id="{3F54314D-170C-4B41-9C16-4092E410B2B6}"/>
+                <a16:creationId xmlns:a16="http://schemas.microsoft.com/office/drawing/2014/main" xmlns="" id="{3F54314D-170C-4B41-9C16-4092E410B2B6}"/>
               </a:ext>
             </a:extLst>
           </p:cNvPr>
@@ -4055,7 +4055,7 @@
           <a:blip r:embed="rId3" cstate="print">
             <a:extLst>
               <a:ext uri="{28A0092B-C50C-407E-A947-70E740481C1C}">
-                <a14:useLocalDpi xmlns="" xmlns:a14="http://schemas.microsoft.com/office/drawing/2010/main" val="0"/>
+                <a14:useLocalDpi xmlns:a14="http://schemas.microsoft.com/office/drawing/2010/main" xmlns="" val="0"/>
               </a:ext>
             </a:extLst>
           </a:blip>
@@ -4083,7 +4083,7 @@
           <p:cNvPr id="7" name="Text Placeholder 3">
             <a:extLst>
               <a:ext uri="{FF2B5EF4-FFF2-40B4-BE49-F238E27FC236}">
-                <a16:creationId xmlns="" xmlns:a16="http://schemas.microsoft.com/office/drawing/2014/main" id="{CFF94302-C9D9-4795-BF40-4BF3AD98FCF6}"/>
+                <a16:creationId xmlns:a16="http://schemas.microsoft.com/office/drawing/2014/main" xmlns="" id="{CFF94302-C9D9-4795-BF40-4BF3AD98FCF6}"/>
               </a:ext>
             </a:extLst>
           </p:cNvPr>
@@ -4129,7 +4129,7 @@
           <p:cNvPr id="13" name="Text Placeholder 12">
             <a:extLst>
               <a:ext uri="{FF2B5EF4-FFF2-40B4-BE49-F238E27FC236}">
-                <a16:creationId xmlns="" xmlns:a16="http://schemas.microsoft.com/office/drawing/2014/main" id="{945B39F1-CDC3-4208-8B21-9C093C17D620}"/>
+                <a16:creationId xmlns:a16="http://schemas.microsoft.com/office/drawing/2014/main" xmlns="" id="{945B39F1-CDC3-4208-8B21-9C093C17D620}"/>
               </a:ext>
             </a:extLst>
           </p:cNvPr>
@@ -4172,7 +4172,7 @@
           <p:cNvPr id="15" name="Group 14">
             <a:extLst>
               <a:ext uri="{FF2B5EF4-FFF2-40B4-BE49-F238E27FC236}">
-                <a16:creationId xmlns="" xmlns:a16="http://schemas.microsoft.com/office/drawing/2014/main" id="{67BCB732-A8FE-49C4-BC92-89D93417B56B}"/>
+                <a16:creationId xmlns:a16="http://schemas.microsoft.com/office/drawing/2014/main" xmlns="" id="{67BCB732-A8FE-49C4-BC92-89D93417B56B}"/>
               </a:ext>
             </a:extLst>
           </p:cNvPr>
@@ -4192,7 +4192,7 @@
             <p:cNvPr id="16" name="Freeform: Shape 15">
               <a:extLst>
                 <a:ext uri="{FF2B5EF4-FFF2-40B4-BE49-F238E27FC236}">
-                  <a16:creationId xmlns="" xmlns:a16="http://schemas.microsoft.com/office/drawing/2014/main" id="{04DF20F6-E1F4-4764-8D03-380B82445CD9}"/>
+                  <a16:creationId xmlns:a16="http://schemas.microsoft.com/office/drawing/2014/main" xmlns="" id="{04DF20F6-E1F4-4764-8D03-380B82445CD9}"/>
                 </a:ext>
               </a:extLst>
             </p:cNvPr>
@@ -4374,7 +4374,7 @@
             <p:cNvPr id="17" name="Freeform: Shape 16">
               <a:extLst>
                 <a:ext uri="{FF2B5EF4-FFF2-40B4-BE49-F238E27FC236}">
-                  <a16:creationId xmlns="" xmlns:a16="http://schemas.microsoft.com/office/drawing/2014/main" id="{5D8A6510-D292-461D-9D9E-2B586ACE922F}"/>
+                  <a16:creationId xmlns:a16="http://schemas.microsoft.com/office/drawing/2014/main" xmlns="" id="{5D8A6510-D292-461D-9D9E-2B586ACE922F}"/>
                 </a:ext>
               </a:extLst>
             </p:cNvPr>
@@ -4556,7 +4556,7 @@
             <p:cNvPr id="18" name="Oval 17">
               <a:extLst>
                 <a:ext uri="{FF2B5EF4-FFF2-40B4-BE49-F238E27FC236}">
-                  <a16:creationId xmlns="" xmlns:a16="http://schemas.microsoft.com/office/drawing/2014/main" id="{7B53379C-8188-4C96-95CD-6FEBDDC0D41F}"/>
+                  <a16:creationId xmlns:a16="http://schemas.microsoft.com/office/drawing/2014/main" xmlns="" id="{7B53379C-8188-4C96-95CD-6FEBDDC0D41F}"/>
                 </a:ext>
               </a:extLst>
             </p:cNvPr>
@@ -4618,7 +4618,7 @@
             <p:cNvPr id="19" name="Oval 18">
               <a:extLst>
                 <a:ext uri="{FF2B5EF4-FFF2-40B4-BE49-F238E27FC236}">
-                  <a16:creationId xmlns="" xmlns:a16="http://schemas.microsoft.com/office/drawing/2014/main" id="{87DCFF7D-4C73-4847-8505-EB698EC76741}"/>
+                  <a16:creationId xmlns:a16="http://schemas.microsoft.com/office/drawing/2014/main" xmlns="" id="{87DCFF7D-4C73-4847-8505-EB698EC76741}"/>
                 </a:ext>
               </a:extLst>
             </p:cNvPr>
@@ -4680,7 +4680,7 @@
             <p:cNvPr id="20" name="Picture 19">
               <a:extLst>
                 <a:ext uri="{FF2B5EF4-FFF2-40B4-BE49-F238E27FC236}">
-                  <a16:creationId xmlns="" xmlns:a16="http://schemas.microsoft.com/office/drawing/2014/main" id="{55123377-BF3D-467F-BF03-A67333DEC76F}"/>
+                  <a16:creationId xmlns:a16="http://schemas.microsoft.com/office/drawing/2014/main" xmlns="" id="{55123377-BF3D-467F-BF03-A67333DEC76F}"/>
                 </a:ext>
               </a:extLst>
             </p:cNvPr>
@@ -4691,7 +4691,7 @@
             <a:blip r:embed="rId4" cstate="print">
               <a:extLst>
                 <a:ext uri="{28A0092B-C50C-407E-A947-70E740481C1C}">
-                  <a14:useLocalDpi xmlns="" xmlns:a14="http://schemas.microsoft.com/office/drawing/2010/main" val="0"/>
+                  <a14:useLocalDpi xmlns:a14="http://schemas.microsoft.com/office/drawing/2010/main" xmlns="" val="0"/>
                 </a:ext>
               </a:extLst>
             </a:blip>
@@ -4719,7 +4719,7 @@
             <p:cNvPr id="21" name="Oval 20">
               <a:extLst>
                 <a:ext uri="{FF2B5EF4-FFF2-40B4-BE49-F238E27FC236}">
-                  <a16:creationId xmlns="" xmlns:a16="http://schemas.microsoft.com/office/drawing/2014/main" id="{FF88C9F9-64CC-4E9C-AA4D-1D0D62FAE034}"/>
+                  <a16:creationId xmlns:a16="http://schemas.microsoft.com/office/drawing/2014/main" xmlns="" id="{FF88C9F9-64CC-4E9C-AA4D-1D0D62FAE034}"/>
                 </a:ext>
               </a:extLst>
             </p:cNvPr>
@@ -4781,7 +4781,7 @@
             <p:cNvPr id="22" name="Oval 21">
               <a:extLst>
                 <a:ext uri="{FF2B5EF4-FFF2-40B4-BE49-F238E27FC236}">
-                  <a16:creationId xmlns="" xmlns:a16="http://schemas.microsoft.com/office/drawing/2014/main" id="{67263B17-2237-49A1-B3AC-A4B7C73DECDD}"/>
+                  <a16:creationId xmlns:a16="http://schemas.microsoft.com/office/drawing/2014/main" xmlns="" id="{67263B17-2237-49A1-B3AC-A4B7C73DECDD}"/>
                 </a:ext>
               </a:extLst>
             </p:cNvPr>
@@ -4843,7 +4843,7 @@
             <p:cNvPr id="23" name="Picture 22">
               <a:extLst>
                 <a:ext uri="{FF2B5EF4-FFF2-40B4-BE49-F238E27FC236}">
-                  <a16:creationId xmlns="" xmlns:a16="http://schemas.microsoft.com/office/drawing/2014/main" id="{28D4006B-1363-49D6-8DB6-4E312B07AD0B}"/>
+                  <a16:creationId xmlns:a16="http://schemas.microsoft.com/office/drawing/2014/main" xmlns="" id="{28D4006B-1363-49D6-8DB6-4E312B07AD0B}"/>
                 </a:ext>
               </a:extLst>
             </p:cNvPr>
@@ -4854,7 +4854,7 @@
             <a:blip r:embed="rId5" cstate="print">
               <a:extLst>
                 <a:ext uri="{28A0092B-C50C-407E-A947-70E740481C1C}">
-                  <a14:useLocalDpi xmlns="" xmlns:a14="http://schemas.microsoft.com/office/drawing/2010/main" val="0"/>
+                  <a14:useLocalDpi xmlns:a14="http://schemas.microsoft.com/office/drawing/2010/main" xmlns="" val="0"/>
                 </a:ext>
               </a:extLst>
             </a:blip>
@@ -4882,7 +4882,7 @@
             <p:cNvPr id="24" name="Oval 23">
               <a:extLst>
                 <a:ext uri="{FF2B5EF4-FFF2-40B4-BE49-F238E27FC236}">
-                  <a16:creationId xmlns="" xmlns:a16="http://schemas.microsoft.com/office/drawing/2014/main" id="{4003F061-39D7-43EC-94F1-CE43F024382E}"/>
+                  <a16:creationId xmlns:a16="http://schemas.microsoft.com/office/drawing/2014/main" xmlns="" id="{4003F061-39D7-43EC-94F1-CE43F024382E}"/>
                 </a:ext>
               </a:extLst>
             </p:cNvPr>
@@ -4944,7 +4944,7 @@
             <p:cNvPr id="25" name="Oval 24">
               <a:extLst>
                 <a:ext uri="{FF2B5EF4-FFF2-40B4-BE49-F238E27FC236}">
-                  <a16:creationId xmlns="" xmlns:a16="http://schemas.microsoft.com/office/drawing/2014/main" id="{E1C872A4-ADB2-4F6B-94ED-32AE13E3C994}"/>
+                  <a16:creationId xmlns:a16="http://schemas.microsoft.com/office/drawing/2014/main" xmlns="" id="{E1C872A4-ADB2-4F6B-94ED-32AE13E3C994}"/>
                 </a:ext>
               </a:extLst>
             </p:cNvPr>
@@ -5006,7 +5006,7 @@
             <p:cNvPr id="26" name="Picture 25">
               <a:extLst>
                 <a:ext uri="{FF2B5EF4-FFF2-40B4-BE49-F238E27FC236}">
-                  <a16:creationId xmlns="" xmlns:a16="http://schemas.microsoft.com/office/drawing/2014/main" id="{04C15FA7-ECBB-4436-B890-B424CAD74442}"/>
+                  <a16:creationId xmlns:a16="http://schemas.microsoft.com/office/drawing/2014/main" xmlns="" id="{04C15FA7-ECBB-4436-B890-B424CAD74442}"/>
                 </a:ext>
               </a:extLst>
             </p:cNvPr>
@@ -5017,7 +5017,7 @@
             <a:blip r:embed="rId6" cstate="print">
               <a:extLst>
                 <a:ext uri="{28A0092B-C50C-407E-A947-70E740481C1C}">
-                  <a14:useLocalDpi xmlns="" xmlns:a14="http://schemas.microsoft.com/office/drawing/2010/main" val="0"/>
+                  <a14:useLocalDpi xmlns:a14="http://schemas.microsoft.com/office/drawing/2010/main" xmlns="" val="0"/>
                 </a:ext>
               </a:extLst>
             </a:blip>
@@ -5044,7 +5044,7 @@
     </p:spTree>
     <p:extLst>
       <p:ext uri="{BB962C8B-B14F-4D97-AF65-F5344CB8AC3E}">
-        <p14:creationId xmlns="" xmlns:p14="http://schemas.microsoft.com/office/powerpoint/2010/main" val="366872211"/>
+        <p14:creationId xmlns:p14="http://schemas.microsoft.com/office/powerpoint/2010/main" xmlns="" val="366872211"/>
       </p:ext>
     </p:extLst>
   </p:cSld>
@@ -5076,7 +5076,7 @@
           <p:cNvPr id="2" name="Title 1">
             <a:extLst>
               <a:ext uri="{FF2B5EF4-FFF2-40B4-BE49-F238E27FC236}">
-                <a16:creationId xmlns="" xmlns:a16="http://schemas.microsoft.com/office/drawing/2014/main" id="{939283F4-2CF9-46F4-9CFA-8A30EFC09FD2}"/>
+                <a16:creationId xmlns:a16="http://schemas.microsoft.com/office/drawing/2014/main" xmlns="" id="{939283F4-2CF9-46F4-9CFA-8A30EFC09FD2}"/>
               </a:ext>
             </a:extLst>
           </p:cNvPr>
@@ -5104,7 +5104,7 @@
           <p:cNvPr id="3" name="Content Placeholder 2">
             <a:extLst>
               <a:ext uri="{FF2B5EF4-FFF2-40B4-BE49-F238E27FC236}">
-                <a16:creationId xmlns="" xmlns:a16="http://schemas.microsoft.com/office/drawing/2014/main" id="{64632BAA-9A81-4F61-B356-45F024CEF882}"/>
+                <a16:creationId xmlns:a16="http://schemas.microsoft.com/office/drawing/2014/main" xmlns="" id="{64632BAA-9A81-4F61-B356-45F024CEF882}"/>
               </a:ext>
             </a:extLst>
           </p:cNvPr>
@@ -5161,7 +5161,7 @@
           <p:cNvPr id="4" name="Date Placeholder 3">
             <a:extLst>
               <a:ext uri="{FF2B5EF4-FFF2-40B4-BE49-F238E27FC236}">
-                <a16:creationId xmlns="" xmlns:a16="http://schemas.microsoft.com/office/drawing/2014/main" id="{2F385DBA-904D-4C82-88FB-F9CC2989220C}"/>
+                <a16:creationId xmlns:a16="http://schemas.microsoft.com/office/drawing/2014/main" xmlns="" id="{2F385DBA-904D-4C82-88FB-F9CC2989220C}"/>
               </a:ext>
             </a:extLst>
           </p:cNvPr>
@@ -5180,7 +5180,7 @@
             <a:fld id="{9E28FC91-8A03-41D4-A0F0-F1A32D6695D0}" type="datetime1">
               <a:rPr lang="en-US" smtClean="0"/>
               <a:pPr/>
-              <a:t>7/20/2022</a:t>
+              <a:t>7/21/2022</a:t>
             </a:fld>
             <a:endParaRPr lang="en-US"/>
           </a:p>
@@ -5191,7 +5191,7 @@
           <p:cNvPr id="5" name="Footer Placeholder 4">
             <a:extLst>
               <a:ext uri="{FF2B5EF4-FFF2-40B4-BE49-F238E27FC236}">
-                <a16:creationId xmlns="" xmlns:a16="http://schemas.microsoft.com/office/drawing/2014/main" id="{CCE0311F-37D4-455A-9D06-C870C0D4DCB4}"/>
+                <a16:creationId xmlns:a16="http://schemas.microsoft.com/office/drawing/2014/main" xmlns="" id="{CCE0311F-37D4-455A-9D06-C870C0D4DCB4}"/>
               </a:ext>
             </a:extLst>
           </p:cNvPr>
@@ -5220,7 +5220,7 @@
           <p:cNvPr id="6" name="Slide Number Placeholder 5">
             <a:extLst>
               <a:ext uri="{FF2B5EF4-FFF2-40B4-BE49-F238E27FC236}">
-                <a16:creationId xmlns="" xmlns:a16="http://schemas.microsoft.com/office/drawing/2014/main" id="{FD9E0B4E-9706-435E-9ADB-84472ABB1EE8}"/>
+                <a16:creationId xmlns:a16="http://schemas.microsoft.com/office/drawing/2014/main" xmlns="" id="{FD9E0B4E-9706-435E-9ADB-84472ABB1EE8}"/>
               </a:ext>
             </a:extLst>
           </p:cNvPr>
@@ -5248,7 +5248,7 @@
     </p:spTree>
     <p:extLst>
       <p:ext uri="{BB962C8B-B14F-4D97-AF65-F5344CB8AC3E}">
-        <p14:creationId xmlns="" xmlns:p14="http://schemas.microsoft.com/office/powerpoint/2010/main" val="3726889016"/>
+        <p14:creationId xmlns:p14="http://schemas.microsoft.com/office/powerpoint/2010/main" xmlns="" val="3726889016"/>
       </p:ext>
     </p:extLst>
   </p:cSld>
@@ -5294,7 +5294,7 @@
           <p:cNvPr id="2" name="Title 1">
             <a:extLst>
               <a:ext uri="{FF2B5EF4-FFF2-40B4-BE49-F238E27FC236}">
-                <a16:creationId xmlns="" xmlns:a16="http://schemas.microsoft.com/office/drawing/2014/main" id="{08FB9B96-7047-4E70-939C-25FECB296506}"/>
+                <a16:creationId xmlns:a16="http://schemas.microsoft.com/office/drawing/2014/main" xmlns="" id="{08FB9B96-7047-4E70-939C-25FECB296506}"/>
               </a:ext>
             </a:extLst>
           </p:cNvPr>
@@ -5334,7 +5334,7 @@
           <p:cNvPr id="3" name="Text Placeholder 2">
             <a:extLst>
               <a:ext uri="{FF2B5EF4-FFF2-40B4-BE49-F238E27FC236}">
-                <a16:creationId xmlns="" xmlns:a16="http://schemas.microsoft.com/office/drawing/2014/main" id="{7437834D-5C6B-4719-BB36-2767426853F7}"/>
+                <a16:creationId xmlns:a16="http://schemas.microsoft.com/office/drawing/2014/main" xmlns="" id="{7437834D-5C6B-4719-BB36-2767426853F7}"/>
               </a:ext>
             </a:extLst>
           </p:cNvPr>
@@ -5380,7 +5380,7 @@
           <p:cNvPr id="4" name="Date Placeholder 3">
             <a:extLst>
               <a:ext uri="{FF2B5EF4-FFF2-40B4-BE49-F238E27FC236}">
-                <a16:creationId xmlns="" xmlns:a16="http://schemas.microsoft.com/office/drawing/2014/main" id="{E5CCEBA1-0F3C-4140-A250-98DD41A425D9}"/>
+                <a16:creationId xmlns:a16="http://schemas.microsoft.com/office/drawing/2014/main" xmlns="" id="{E5CCEBA1-0F3C-4140-A250-98DD41A425D9}"/>
               </a:ext>
             </a:extLst>
           </p:cNvPr>
@@ -5399,7 +5399,7 @@
             <a:fld id="{3A08519F-30E9-4BF9-ACD9-527374BCFE62}" type="datetime1">
               <a:rPr lang="en-US" smtClean="0"/>
               <a:pPr/>
-              <a:t>7/20/2022</a:t>
+              <a:t>7/21/2022</a:t>
             </a:fld>
             <a:endParaRPr lang="en-US"/>
           </a:p>
@@ -5410,7 +5410,7 @@
           <p:cNvPr id="5" name="Footer Placeholder 4">
             <a:extLst>
               <a:ext uri="{FF2B5EF4-FFF2-40B4-BE49-F238E27FC236}">
-                <a16:creationId xmlns="" xmlns:a16="http://schemas.microsoft.com/office/drawing/2014/main" id="{4C960D39-2B67-4C54-B357-ECA1C10D9B1A}"/>
+                <a16:creationId xmlns:a16="http://schemas.microsoft.com/office/drawing/2014/main" xmlns="" id="{4C960D39-2B67-4C54-B357-ECA1C10D9B1A}"/>
               </a:ext>
             </a:extLst>
           </p:cNvPr>
@@ -5439,7 +5439,7 @@
           <p:cNvPr id="6" name="Slide Number Placeholder 5">
             <a:extLst>
               <a:ext uri="{FF2B5EF4-FFF2-40B4-BE49-F238E27FC236}">
-                <a16:creationId xmlns="" xmlns:a16="http://schemas.microsoft.com/office/drawing/2014/main" id="{879077DA-192A-4BE3-9CE3-A81A55D47F5B}"/>
+                <a16:creationId xmlns:a16="http://schemas.microsoft.com/office/drawing/2014/main" xmlns="" id="{879077DA-192A-4BE3-9CE3-A81A55D47F5B}"/>
               </a:ext>
             </a:extLst>
           </p:cNvPr>
@@ -5474,7 +5474,7 @@
           <p:cNvPr id="15" name="Freeform: Shape 14">
             <a:extLst>
               <a:ext uri="{FF2B5EF4-FFF2-40B4-BE49-F238E27FC236}">
-                <a16:creationId xmlns="" xmlns:a16="http://schemas.microsoft.com/office/drawing/2014/main" id="{0C46D9B8-2764-4369-B6E7-68014CF6E171}"/>
+                <a16:creationId xmlns:a16="http://schemas.microsoft.com/office/drawing/2014/main" xmlns="" id="{0C46D9B8-2764-4369-B6E7-68014CF6E171}"/>
               </a:ext>
             </a:extLst>
           </p:cNvPr>
@@ -5656,7 +5656,7 @@
           <p:cNvPr id="16" name="Freeform: Shape 15">
             <a:extLst>
               <a:ext uri="{FF2B5EF4-FFF2-40B4-BE49-F238E27FC236}">
-                <a16:creationId xmlns="" xmlns:a16="http://schemas.microsoft.com/office/drawing/2014/main" id="{575F8187-C02A-44FB-81EC-BA1F6AC9AAEE}"/>
+                <a16:creationId xmlns:a16="http://schemas.microsoft.com/office/drawing/2014/main" xmlns="" id="{575F8187-C02A-44FB-81EC-BA1F6AC9AAEE}"/>
               </a:ext>
             </a:extLst>
           </p:cNvPr>
@@ -5838,7 +5838,7 @@
           <p:cNvPr id="21" name="Oval 20">
             <a:extLst>
               <a:ext uri="{FF2B5EF4-FFF2-40B4-BE49-F238E27FC236}">
-                <a16:creationId xmlns="" xmlns:a16="http://schemas.microsoft.com/office/drawing/2014/main" id="{A8D1BE24-CF14-4E48-82B0-7323A84C1688}"/>
+                <a16:creationId xmlns:a16="http://schemas.microsoft.com/office/drawing/2014/main" xmlns="" id="{A8D1BE24-CF14-4E48-82B0-7323A84C1688}"/>
               </a:ext>
             </a:extLst>
           </p:cNvPr>
@@ -5900,7 +5900,7 @@
           <p:cNvPr id="23" name="Oval 22">
             <a:extLst>
               <a:ext uri="{FF2B5EF4-FFF2-40B4-BE49-F238E27FC236}">
-                <a16:creationId xmlns="" xmlns:a16="http://schemas.microsoft.com/office/drawing/2014/main" id="{C0020829-19CD-4A0B-9677-1FD7C827CCE8}"/>
+                <a16:creationId xmlns:a16="http://schemas.microsoft.com/office/drawing/2014/main" xmlns="" id="{C0020829-19CD-4A0B-9677-1FD7C827CCE8}"/>
               </a:ext>
             </a:extLst>
           </p:cNvPr>
@@ -5962,7 +5962,7 @@
           <p:cNvPr id="19" name="Picture Placeholder 18">
             <a:extLst>
               <a:ext uri="{FF2B5EF4-FFF2-40B4-BE49-F238E27FC236}">
-                <a16:creationId xmlns="" xmlns:a16="http://schemas.microsoft.com/office/drawing/2014/main" id="{2CBA1066-2678-4352-8DAD-51CF4FAF12E4}"/>
+                <a16:creationId xmlns:a16="http://schemas.microsoft.com/office/drawing/2014/main" xmlns="" id="{2CBA1066-2678-4352-8DAD-51CF4FAF12E4}"/>
               </a:ext>
             </a:extLst>
           </p:cNvPr>
@@ -5998,7 +5998,7 @@
           <p:cNvPr id="25" name="Picture 24" descr="Logo&#10;&#10;Description automatically generated">
             <a:extLst>
               <a:ext uri="{FF2B5EF4-FFF2-40B4-BE49-F238E27FC236}">
-                <a16:creationId xmlns="" xmlns:a16="http://schemas.microsoft.com/office/drawing/2014/main" id="{5A70C3C5-FA0E-4637-9098-4B0E07AA604B}"/>
+                <a16:creationId xmlns:a16="http://schemas.microsoft.com/office/drawing/2014/main" xmlns="" id="{5A70C3C5-FA0E-4637-9098-4B0E07AA604B}"/>
               </a:ext>
             </a:extLst>
           </p:cNvPr>
@@ -6011,7 +6011,7 @@
           <a:blip r:embed="rId3" cstate="print">
             <a:extLst>
               <a:ext uri="{28A0092B-C50C-407E-A947-70E740481C1C}">
-                <a14:useLocalDpi xmlns="" xmlns:a14="http://schemas.microsoft.com/office/drawing/2010/main" val="0"/>
+                <a14:useLocalDpi xmlns:a14="http://schemas.microsoft.com/office/drawing/2010/main" xmlns="" val="0"/>
               </a:ext>
             </a:extLst>
           </a:blip>
@@ -6032,7 +6032,7 @@
     </p:spTree>
     <p:extLst>
       <p:ext uri="{BB962C8B-B14F-4D97-AF65-F5344CB8AC3E}">
-        <p14:creationId xmlns="" xmlns:p14="http://schemas.microsoft.com/office/powerpoint/2010/main" val="1895575688"/>
+        <p14:creationId xmlns:p14="http://schemas.microsoft.com/office/powerpoint/2010/main" xmlns="" val="1895575688"/>
       </p:ext>
     </p:extLst>
   </p:cSld>
@@ -6064,7 +6064,7 @@
           <p:cNvPr id="2" name="Title 1">
             <a:extLst>
               <a:ext uri="{FF2B5EF4-FFF2-40B4-BE49-F238E27FC236}">
-                <a16:creationId xmlns="" xmlns:a16="http://schemas.microsoft.com/office/drawing/2014/main" id="{93895E31-1540-436D-AF01-53747374B9D7}"/>
+                <a16:creationId xmlns:a16="http://schemas.microsoft.com/office/drawing/2014/main" xmlns="" id="{93895E31-1540-436D-AF01-53747374B9D7}"/>
               </a:ext>
             </a:extLst>
           </p:cNvPr>
@@ -6092,7 +6092,7 @@
           <p:cNvPr id="3" name="Content Placeholder 2">
             <a:extLst>
               <a:ext uri="{FF2B5EF4-FFF2-40B4-BE49-F238E27FC236}">
-                <a16:creationId xmlns="" xmlns:a16="http://schemas.microsoft.com/office/drawing/2014/main" id="{04F49F95-BB3A-468A-8D53-35CDEFDBE9E3}"/>
+                <a16:creationId xmlns:a16="http://schemas.microsoft.com/office/drawing/2014/main" xmlns="" id="{04F49F95-BB3A-468A-8D53-35CDEFDBE9E3}"/>
               </a:ext>
             </a:extLst>
           </p:cNvPr>
@@ -6154,7 +6154,7 @@
           <p:cNvPr id="4" name="Content Placeholder 3">
             <a:extLst>
               <a:ext uri="{FF2B5EF4-FFF2-40B4-BE49-F238E27FC236}">
-                <a16:creationId xmlns="" xmlns:a16="http://schemas.microsoft.com/office/drawing/2014/main" id="{CC5D1519-BD73-461C-8327-4E1ACB41320B}"/>
+                <a16:creationId xmlns:a16="http://schemas.microsoft.com/office/drawing/2014/main" xmlns="" id="{CC5D1519-BD73-461C-8327-4E1ACB41320B}"/>
               </a:ext>
             </a:extLst>
           </p:cNvPr>
@@ -6216,7 +6216,7 @@
           <p:cNvPr id="5" name="Date Placeholder 4">
             <a:extLst>
               <a:ext uri="{FF2B5EF4-FFF2-40B4-BE49-F238E27FC236}">
-                <a16:creationId xmlns="" xmlns:a16="http://schemas.microsoft.com/office/drawing/2014/main" id="{6F88D411-168A-4270-AA34-FCB114392AC2}"/>
+                <a16:creationId xmlns:a16="http://schemas.microsoft.com/office/drawing/2014/main" xmlns="" id="{6F88D411-168A-4270-AA34-FCB114392AC2}"/>
               </a:ext>
             </a:extLst>
           </p:cNvPr>
@@ -6235,7 +6235,7 @@
             <a:fld id="{125BB7DC-1B8A-45ED-AC4C-6C9D4C979747}" type="datetime1">
               <a:rPr lang="en-US" smtClean="0"/>
               <a:pPr/>
-              <a:t>7/20/2022</a:t>
+              <a:t>7/21/2022</a:t>
             </a:fld>
             <a:endParaRPr lang="en-US"/>
           </a:p>
@@ -6246,7 +6246,7 @@
           <p:cNvPr id="6" name="Footer Placeholder 5">
             <a:extLst>
               <a:ext uri="{FF2B5EF4-FFF2-40B4-BE49-F238E27FC236}">
-                <a16:creationId xmlns="" xmlns:a16="http://schemas.microsoft.com/office/drawing/2014/main" id="{69F9E2B8-662C-4A1B-8C9A-2C78A4DCD511}"/>
+                <a16:creationId xmlns:a16="http://schemas.microsoft.com/office/drawing/2014/main" xmlns="" id="{69F9E2B8-662C-4A1B-8C9A-2C78A4DCD511}"/>
               </a:ext>
             </a:extLst>
           </p:cNvPr>
@@ -6275,7 +6275,7 @@
           <p:cNvPr id="7" name="Slide Number Placeholder 6">
             <a:extLst>
               <a:ext uri="{FF2B5EF4-FFF2-40B4-BE49-F238E27FC236}">
-                <a16:creationId xmlns="" xmlns:a16="http://schemas.microsoft.com/office/drawing/2014/main" id="{D6E508D1-9CA8-435E-BBB4-B0BCBB5923C9}"/>
+                <a16:creationId xmlns:a16="http://schemas.microsoft.com/office/drawing/2014/main" xmlns="" id="{D6E508D1-9CA8-435E-BBB4-B0BCBB5923C9}"/>
               </a:ext>
             </a:extLst>
           </p:cNvPr>
@@ -6303,7 +6303,7 @@
     </p:spTree>
     <p:extLst>
       <p:ext uri="{BB962C8B-B14F-4D97-AF65-F5344CB8AC3E}">
-        <p14:creationId xmlns="" xmlns:p14="http://schemas.microsoft.com/office/powerpoint/2010/main" val="716620738"/>
+        <p14:creationId xmlns:p14="http://schemas.microsoft.com/office/powerpoint/2010/main" xmlns="" val="716620738"/>
       </p:ext>
     </p:extLst>
   </p:cSld>
@@ -6335,7 +6335,7 @@
           <p:cNvPr id="2" name="Title 1">
             <a:extLst>
               <a:ext uri="{FF2B5EF4-FFF2-40B4-BE49-F238E27FC236}">
-                <a16:creationId xmlns="" xmlns:a16="http://schemas.microsoft.com/office/drawing/2014/main" id="{5CDE83CA-C077-4E75-810B-2BBF48BDEA4D}"/>
+                <a16:creationId xmlns:a16="http://schemas.microsoft.com/office/drawing/2014/main" xmlns="" id="{5CDE83CA-C077-4E75-810B-2BBF48BDEA4D}"/>
               </a:ext>
             </a:extLst>
           </p:cNvPr>
@@ -6368,7 +6368,7 @@
           <p:cNvPr id="3" name="Text Placeholder 2">
             <a:extLst>
               <a:ext uri="{FF2B5EF4-FFF2-40B4-BE49-F238E27FC236}">
-                <a16:creationId xmlns="" xmlns:a16="http://schemas.microsoft.com/office/drawing/2014/main" id="{2CE3B2C8-59A1-4C5C-81E9-6E11D63B12F3}"/>
+                <a16:creationId xmlns:a16="http://schemas.microsoft.com/office/drawing/2014/main" xmlns="" id="{2CE3B2C8-59A1-4C5C-81E9-6E11D63B12F3}"/>
               </a:ext>
             </a:extLst>
           </p:cNvPr>
@@ -6414,7 +6414,7 @@
           <p:cNvPr id="4" name="Content Placeholder 3">
             <a:extLst>
               <a:ext uri="{FF2B5EF4-FFF2-40B4-BE49-F238E27FC236}">
-                <a16:creationId xmlns="" xmlns:a16="http://schemas.microsoft.com/office/drawing/2014/main" id="{2756B159-F086-47D5-91AB-4DE1D29E12A0}"/>
+                <a16:creationId xmlns:a16="http://schemas.microsoft.com/office/drawing/2014/main" xmlns="" id="{2756B159-F086-47D5-91AB-4DE1D29E12A0}"/>
               </a:ext>
             </a:extLst>
           </p:cNvPr>
@@ -6476,7 +6476,7 @@
           <p:cNvPr id="5" name="Text Placeholder 4">
             <a:extLst>
               <a:ext uri="{FF2B5EF4-FFF2-40B4-BE49-F238E27FC236}">
-                <a16:creationId xmlns="" xmlns:a16="http://schemas.microsoft.com/office/drawing/2014/main" id="{9C758A94-9935-44D8-ACB4-68DD37433C70}"/>
+                <a16:creationId xmlns:a16="http://schemas.microsoft.com/office/drawing/2014/main" xmlns="" id="{9C758A94-9935-44D8-ACB4-68DD37433C70}"/>
               </a:ext>
             </a:extLst>
           </p:cNvPr>
@@ -6522,7 +6522,7 @@
           <p:cNvPr id="6" name="Content Placeholder 5">
             <a:extLst>
               <a:ext uri="{FF2B5EF4-FFF2-40B4-BE49-F238E27FC236}">
-                <a16:creationId xmlns="" xmlns:a16="http://schemas.microsoft.com/office/drawing/2014/main" id="{B8EBCB8C-6857-4F39-9B32-F1F665C5487F}"/>
+                <a16:creationId xmlns:a16="http://schemas.microsoft.com/office/drawing/2014/main" xmlns="" id="{B8EBCB8C-6857-4F39-9B32-F1F665C5487F}"/>
               </a:ext>
             </a:extLst>
           </p:cNvPr>
@@ -6584,7 +6584,7 @@
           <p:cNvPr id="7" name="Date Placeholder 6">
             <a:extLst>
               <a:ext uri="{FF2B5EF4-FFF2-40B4-BE49-F238E27FC236}">
-                <a16:creationId xmlns="" xmlns:a16="http://schemas.microsoft.com/office/drawing/2014/main" id="{EA92B457-0BB5-476D-8CE8-7788F91CCFEB}"/>
+                <a16:creationId xmlns:a16="http://schemas.microsoft.com/office/drawing/2014/main" xmlns="" id="{EA92B457-0BB5-476D-8CE8-7788F91CCFEB}"/>
               </a:ext>
             </a:extLst>
           </p:cNvPr>
@@ -6603,7 +6603,7 @@
             <a:fld id="{7DC2E245-9206-4366-BF4B-FD68C7C3F2C0}" type="datetime1">
               <a:rPr lang="en-US" smtClean="0"/>
               <a:pPr/>
-              <a:t>7/20/2022</a:t>
+              <a:t>7/21/2022</a:t>
             </a:fld>
             <a:endParaRPr lang="en-US"/>
           </a:p>
@@ -6614,7 +6614,7 @@
           <p:cNvPr id="8" name="Footer Placeholder 7">
             <a:extLst>
               <a:ext uri="{FF2B5EF4-FFF2-40B4-BE49-F238E27FC236}">
-                <a16:creationId xmlns="" xmlns:a16="http://schemas.microsoft.com/office/drawing/2014/main" id="{DD1F51E5-31FD-4D7E-B2B5-4E48F2A440C1}"/>
+                <a16:creationId xmlns:a16="http://schemas.microsoft.com/office/drawing/2014/main" xmlns="" id="{DD1F51E5-31FD-4D7E-B2B5-4E48F2A440C1}"/>
               </a:ext>
             </a:extLst>
           </p:cNvPr>
@@ -6643,7 +6643,7 @@
           <p:cNvPr id="9" name="Slide Number Placeholder 8">
             <a:extLst>
               <a:ext uri="{FF2B5EF4-FFF2-40B4-BE49-F238E27FC236}">
-                <a16:creationId xmlns="" xmlns:a16="http://schemas.microsoft.com/office/drawing/2014/main" id="{8BC7CF00-E615-4DB4-9F84-42CC3484A698}"/>
+                <a16:creationId xmlns:a16="http://schemas.microsoft.com/office/drawing/2014/main" xmlns="" id="{8BC7CF00-E615-4DB4-9F84-42CC3484A698}"/>
               </a:ext>
             </a:extLst>
           </p:cNvPr>
@@ -6671,7 +6671,7 @@
     </p:spTree>
     <p:extLst>
       <p:ext uri="{BB962C8B-B14F-4D97-AF65-F5344CB8AC3E}">
-        <p14:creationId xmlns="" xmlns:p14="http://schemas.microsoft.com/office/powerpoint/2010/main" val="2063627690"/>
+        <p14:creationId xmlns:p14="http://schemas.microsoft.com/office/powerpoint/2010/main" xmlns="" val="2063627690"/>
       </p:ext>
     </p:extLst>
   </p:cSld>
@@ -6703,7 +6703,7 @@
           <p:cNvPr id="2" name="Title 1">
             <a:extLst>
               <a:ext uri="{FF2B5EF4-FFF2-40B4-BE49-F238E27FC236}">
-                <a16:creationId xmlns="" xmlns:a16="http://schemas.microsoft.com/office/drawing/2014/main" id="{CCF5FA99-298E-4D78-900E-93E69ECC8E62}"/>
+                <a16:creationId xmlns:a16="http://schemas.microsoft.com/office/drawing/2014/main" xmlns="" id="{CCF5FA99-298E-4D78-900E-93E69ECC8E62}"/>
               </a:ext>
             </a:extLst>
           </p:cNvPr>
@@ -6731,7 +6731,7 @@
           <p:cNvPr id="3" name="Date Placeholder 2">
             <a:extLst>
               <a:ext uri="{FF2B5EF4-FFF2-40B4-BE49-F238E27FC236}">
-                <a16:creationId xmlns="" xmlns:a16="http://schemas.microsoft.com/office/drawing/2014/main" id="{37F2ACCA-71BE-4904-A8AC-033AA8E51DBB}"/>
+                <a16:creationId xmlns:a16="http://schemas.microsoft.com/office/drawing/2014/main" xmlns="" id="{37F2ACCA-71BE-4904-A8AC-033AA8E51DBB}"/>
               </a:ext>
             </a:extLst>
           </p:cNvPr>
@@ -6750,7 +6750,7 @@
             <a:fld id="{98C016EF-E8B0-4E8F-9030-8696A0D2C66B}" type="datetime1">
               <a:rPr lang="en-US" smtClean="0"/>
               <a:pPr/>
-              <a:t>7/20/2022</a:t>
+              <a:t>7/21/2022</a:t>
             </a:fld>
             <a:endParaRPr lang="en-US"/>
           </a:p>
@@ -6761,7 +6761,7 @@
           <p:cNvPr id="4" name="Footer Placeholder 3">
             <a:extLst>
               <a:ext uri="{FF2B5EF4-FFF2-40B4-BE49-F238E27FC236}">
-                <a16:creationId xmlns="" xmlns:a16="http://schemas.microsoft.com/office/drawing/2014/main" id="{DCD23B60-5FF0-47C9-A29E-47E0E777DEC2}"/>
+                <a16:creationId xmlns:a16="http://schemas.microsoft.com/office/drawing/2014/main" xmlns="" id="{DCD23B60-5FF0-47C9-A29E-47E0E777DEC2}"/>
               </a:ext>
             </a:extLst>
           </p:cNvPr>
@@ -6790,7 +6790,7 @@
           <p:cNvPr id="5" name="Slide Number Placeholder 4">
             <a:extLst>
               <a:ext uri="{FF2B5EF4-FFF2-40B4-BE49-F238E27FC236}">
-                <a16:creationId xmlns="" xmlns:a16="http://schemas.microsoft.com/office/drawing/2014/main" id="{9F11BC27-4C9E-4250-B21E-23CC41D6DA8B}"/>
+                <a16:creationId xmlns:a16="http://schemas.microsoft.com/office/drawing/2014/main" xmlns="" id="{9F11BC27-4C9E-4250-B21E-23CC41D6DA8B}"/>
               </a:ext>
             </a:extLst>
           </p:cNvPr>
@@ -6820,7 +6820,7 @@
           <p:cNvPr id="6" name="Text Placeholder 2">
             <a:extLst>
               <a:ext uri="{FF2B5EF4-FFF2-40B4-BE49-F238E27FC236}">
-                <a16:creationId xmlns="" xmlns:a16="http://schemas.microsoft.com/office/drawing/2014/main" id="{B6DAAE11-D359-46F2-999A-50659D4359CC}"/>
+                <a16:creationId xmlns:a16="http://schemas.microsoft.com/office/drawing/2014/main" xmlns="" id="{B6DAAE11-D359-46F2-999A-50659D4359CC}"/>
               </a:ext>
             </a:extLst>
           </p:cNvPr>
@@ -6866,7 +6866,7 @@
           <p:cNvPr id="7" name="Content Placeholder 3">
             <a:extLst>
               <a:ext uri="{FF2B5EF4-FFF2-40B4-BE49-F238E27FC236}">
-                <a16:creationId xmlns="" xmlns:a16="http://schemas.microsoft.com/office/drawing/2014/main" id="{84C2639C-F435-4BC3-A46C-B3EA88C92603}"/>
+                <a16:creationId xmlns:a16="http://schemas.microsoft.com/office/drawing/2014/main" xmlns="" id="{84C2639C-F435-4BC3-A46C-B3EA88C92603}"/>
               </a:ext>
             </a:extLst>
           </p:cNvPr>
@@ -6928,7 +6928,7 @@
           <p:cNvPr id="8" name="Text Placeholder 4">
             <a:extLst>
               <a:ext uri="{FF2B5EF4-FFF2-40B4-BE49-F238E27FC236}">
-                <a16:creationId xmlns="" xmlns:a16="http://schemas.microsoft.com/office/drawing/2014/main" id="{CB92964E-F012-43F5-8F8B-78D75FBEA73B}"/>
+                <a16:creationId xmlns:a16="http://schemas.microsoft.com/office/drawing/2014/main" xmlns="" id="{CB92964E-F012-43F5-8F8B-78D75FBEA73B}"/>
               </a:ext>
             </a:extLst>
           </p:cNvPr>
@@ -6974,7 +6974,7 @@
           <p:cNvPr id="9" name="Content Placeholder 5">
             <a:extLst>
               <a:ext uri="{FF2B5EF4-FFF2-40B4-BE49-F238E27FC236}">
-                <a16:creationId xmlns="" xmlns:a16="http://schemas.microsoft.com/office/drawing/2014/main" id="{6AD6781C-3137-44B9-8F36-4B7708C92DB8}"/>
+                <a16:creationId xmlns:a16="http://schemas.microsoft.com/office/drawing/2014/main" xmlns="" id="{6AD6781C-3137-44B9-8F36-4B7708C92DB8}"/>
               </a:ext>
             </a:extLst>
           </p:cNvPr>
@@ -7036,7 +7036,7 @@
           <p:cNvPr id="15" name="Text Placeholder 4">
             <a:extLst>
               <a:ext uri="{FF2B5EF4-FFF2-40B4-BE49-F238E27FC236}">
-                <a16:creationId xmlns="" xmlns:a16="http://schemas.microsoft.com/office/drawing/2014/main" id="{9EB63069-E8B4-4B40-8243-B04400EBDFF4}"/>
+                <a16:creationId xmlns:a16="http://schemas.microsoft.com/office/drawing/2014/main" xmlns="" id="{9EB63069-E8B4-4B40-8243-B04400EBDFF4}"/>
               </a:ext>
             </a:extLst>
           </p:cNvPr>
@@ -7082,7 +7082,7 @@
           <p:cNvPr id="16" name="Content Placeholder 5">
             <a:extLst>
               <a:ext uri="{FF2B5EF4-FFF2-40B4-BE49-F238E27FC236}">
-                <a16:creationId xmlns="" xmlns:a16="http://schemas.microsoft.com/office/drawing/2014/main" id="{ADA81D98-12FF-47FB-87D8-3CF4F91B2BC1}"/>
+                <a16:creationId xmlns:a16="http://schemas.microsoft.com/office/drawing/2014/main" xmlns="" id="{ADA81D98-12FF-47FB-87D8-3CF4F91B2BC1}"/>
               </a:ext>
             </a:extLst>
           </p:cNvPr>
@@ -7142,7 +7142,7 @@
     </p:spTree>
     <p:extLst>
       <p:ext uri="{BB962C8B-B14F-4D97-AF65-F5344CB8AC3E}">
-        <p14:creationId xmlns="" xmlns:p14="http://schemas.microsoft.com/office/powerpoint/2010/main" val="1288801619"/>
+        <p14:creationId xmlns:p14="http://schemas.microsoft.com/office/powerpoint/2010/main" xmlns="" val="1288801619"/>
       </p:ext>
     </p:extLst>
   </p:cSld>
@@ -7174,7 +7174,7 @@
           <p:cNvPr id="2" name="Title 1">
             <a:extLst>
               <a:ext uri="{FF2B5EF4-FFF2-40B4-BE49-F238E27FC236}">
-                <a16:creationId xmlns="" xmlns:a16="http://schemas.microsoft.com/office/drawing/2014/main" id="{42A3942B-4A6A-4774-BB6E-EC64420ADF83}"/>
+                <a16:creationId xmlns:a16="http://schemas.microsoft.com/office/drawing/2014/main" xmlns="" id="{42A3942B-4A6A-4774-BB6E-EC64420ADF83}"/>
               </a:ext>
             </a:extLst>
           </p:cNvPr>
@@ -7202,7 +7202,7 @@
           <p:cNvPr id="3" name="Date Placeholder 2">
             <a:extLst>
               <a:ext uri="{FF2B5EF4-FFF2-40B4-BE49-F238E27FC236}">
-                <a16:creationId xmlns="" xmlns:a16="http://schemas.microsoft.com/office/drawing/2014/main" id="{B63A66E2-E6F7-445F-910D-62191E8A75F1}"/>
+                <a16:creationId xmlns:a16="http://schemas.microsoft.com/office/drawing/2014/main" xmlns="" id="{B63A66E2-E6F7-445F-910D-62191E8A75F1}"/>
               </a:ext>
             </a:extLst>
           </p:cNvPr>
@@ -7221,7 +7221,7 @@
             <a:fld id="{FBAB9285-8486-4E1E-8748-5885C543539D}" type="datetime1">
               <a:rPr lang="en-US" smtClean="0"/>
               <a:pPr/>
-              <a:t>7/20/2022</a:t>
+              <a:t>7/21/2022</a:t>
             </a:fld>
             <a:endParaRPr lang="en-US"/>
           </a:p>
@@ -7232,7 +7232,7 @@
           <p:cNvPr id="4" name="Footer Placeholder 3">
             <a:extLst>
               <a:ext uri="{FF2B5EF4-FFF2-40B4-BE49-F238E27FC236}">
-                <a16:creationId xmlns="" xmlns:a16="http://schemas.microsoft.com/office/drawing/2014/main" id="{5BEC363F-68D2-488E-826B-C10FF6BF9820}"/>
+                <a16:creationId xmlns:a16="http://schemas.microsoft.com/office/drawing/2014/main" xmlns="" id="{5BEC363F-68D2-488E-826B-C10FF6BF9820}"/>
               </a:ext>
             </a:extLst>
           </p:cNvPr>
@@ -7261,7 +7261,7 @@
           <p:cNvPr id="5" name="Slide Number Placeholder 4">
             <a:extLst>
               <a:ext uri="{FF2B5EF4-FFF2-40B4-BE49-F238E27FC236}">
-                <a16:creationId xmlns="" xmlns:a16="http://schemas.microsoft.com/office/drawing/2014/main" id="{6045C5BB-8A3D-4DC8-B3E6-72926EAC7871}"/>
+                <a16:creationId xmlns:a16="http://schemas.microsoft.com/office/drawing/2014/main" xmlns="" id="{6045C5BB-8A3D-4DC8-B3E6-72926EAC7871}"/>
               </a:ext>
             </a:extLst>
           </p:cNvPr>
@@ -7289,7 +7289,7 @@
     </p:spTree>
     <p:extLst>
       <p:ext uri="{BB962C8B-B14F-4D97-AF65-F5344CB8AC3E}">
-        <p14:creationId xmlns="" xmlns:p14="http://schemas.microsoft.com/office/powerpoint/2010/main" val="3700506477"/>
+        <p14:creationId xmlns:p14="http://schemas.microsoft.com/office/powerpoint/2010/main" xmlns="" val="3700506477"/>
       </p:ext>
     </p:extLst>
   </p:cSld>
@@ -7321,7 +7321,7 @@
           <p:cNvPr id="2" name="Date Placeholder 1">
             <a:extLst>
               <a:ext uri="{FF2B5EF4-FFF2-40B4-BE49-F238E27FC236}">
-                <a16:creationId xmlns="" xmlns:a16="http://schemas.microsoft.com/office/drawing/2014/main" id="{72E9B033-16A4-45C6-AB90-884D108AEAC8}"/>
+                <a16:creationId xmlns:a16="http://schemas.microsoft.com/office/drawing/2014/main" xmlns="" id="{72E9B033-16A4-45C6-AB90-884D108AEAC8}"/>
               </a:ext>
             </a:extLst>
           </p:cNvPr>
@@ -7340,7 +7340,7 @@
             <a:fld id="{287337B7-1F35-4666-BC8B-46AD2A268A49}" type="datetime1">
               <a:rPr lang="en-US" smtClean="0"/>
               <a:pPr/>
-              <a:t>7/20/2022</a:t>
+              <a:t>7/21/2022</a:t>
             </a:fld>
             <a:endParaRPr lang="en-US"/>
           </a:p>
@@ -7351,7 +7351,7 @@
           <p:cNvPr id="3" name="Footer Placeholder 2">
             <a:extLst>
               <a:ext uri="{FF2B5EF4-FFF2-40B4-BE49-F238E27FC236}">
-                <a16:creationId xmlns="" xmlns:a16="http://schemas.microsoft.com/office/drawing/2014/main" id="{67A54507-E53A-4902-A523-42C313016411}"/>
+                <a16:creationId xmlns:a16="http://schemas.microsoft.com/office/drawing/2014/main" xmlns="" id="{67A54507-E53A-4902-A523-42C313016411}"/>
               </a:ext>
             </a:extLst>
           </p:cNvPr>
@@ -7380,7 +7380,7 @@
           <p:cNvPr id="4" name="Slide Number Placeholder 3">
             <a:extLst>
               <a:ext uri="{FF2B5EF4-FFF2-40B4-BE49-F238E27FC236}">
-                <a16:creationId xmlns="" xmlns:a16="http://schemas.microsoft.com/office/drawing/2014/main" id="{45C13987-97F6-464C-A585-CB65897E3FDC}"/>
+                <a16:creationId xmlns:a16="http://schemas.microsoft.com/office/drawing/2014/main" xmlns="" id="{45C13987-97F6-464C-A585-CB65897E3FDC}"/>
               </a:ext>
             </a:extLst>
           </p:cNvPr>
@@ -7408,7 +7408,7 @@
     </p:spTree>
     <p:extLst>
       <p:ext uri="{BB962C8B-B14F-4D97-AF65-F5344CB8AC3E}">
-        <p14:creationId xmlns="" xmlns:p14="http://schemas.microsoft.com/office/powerpoint/2010/main" val="3708767185"/>
+        <p14:creationId xmlns:p14="http://schemas.microsoft.com/office/powerpoint/2010/main" xmlns="" val="3708767185"/>
       </p:ext>
     </p:extLst>
   </p:cSld>
@@ -7440,7 +7440,7 @@
           <p:cNvPr id="2" name="Title 1">
             <a:extLst>
               <a:ext uri="{FF2B5EF4-FFF2-40B4-BE49-F238E27FC236}">
-                <a16:creationId xmlns="" xmlns:a16="http://schemas.microsoft.com/office/drawing/2014/main" id="{FEA8D4F7-8246-4AE5-912E-188A77CB7027}"/>
+                <a16:creationId xmlns:a16="http://schemas.microsoft.com/office/drawing/2014/main" xmlns="" id="{FEA8D4F7-8246-4AE5-912E-188A77CB7027}"/>
               </a:ext>
             </a:extLst>
           </p:cNvPr>
@@ -7480,7 +7480,7 @@
           <p:cNvPr id="4" name="Text Placeholder 3">
             <a:extLst>
               <a:ext uri="{FF2B5EF4-FFF2-40B4-BE49-F238E27FC236}">
-                <a16:creationId xmlns="" xmlns:a16="http://schemas.microsoft.com/office/drawing/2014/main" id="{2B317654-C0B6-468B-B3D3-2306364A3488}"/>
+                <a16:creationId xmlns:a16="http://schemas.microsoft.com/office/drawing/2014/main" xmlns="" id="{2B317654-C0B6-468B-B3D3-2306364A3488}"/>
               </a:ext>
             </a:extLst>
           </p:cNvPr>
@@ -7526,7 +7526,7 @@
           <p:cNvPr id="5" name="Date Placeholder 4">
             <a:extLst>
               <a:ext uri="{FF2B5EF4-FFF2-40B4-BE49-F238E27FC236}">
-                <a16:creationId xmlns="" xmlns:a16="http://schemas.microsoft.com/office/drawing/2014/main" id="{F2571184-65C1-4DFE-B684-37131CB1524D}"/>
+                <a16:creationId xmlns:a16="http://schemas.microsoft.com/office/drawing/2014/main" xmlns="" id="{F2571184-65C1-4DFE-B684-37131CB1524D}"/>
               </a:ext>
             </a:extLst>
           </p:cNvPr>
@@ -7545,7 +7545,7 @@
             <a:fld id="{7645BA17-A601-41B8-AB8D-E87F8969062B}" type="datetime1">
               <a:rPr lang="en-US" smtClean="0"/>
               <a:pPr/>
-              <a:t>7/20/2022</a:t>
+              <a:t>7/21/2022</a:t>
             </a:fld>
             <a:endParaRPr lang="en-US"/>
           </a:p>
@@ -7556,7 +7556,7 @@
           <p:cNvPr id="6" name="Footer Placeholder 5">
             <a:extLst>
               <a:ext uri="{FF2B5EF4-FFF2-40B4-BE49-F238E27FC236}">
-                <a16:creationId xmlns="" xmlns:a16="http://schemas.microsoft.com/office/drawing/2014/main" id="{9D2A4036-8B23-4FAB-9774-7670D35121FA}"/>
+                <a16:creationId xmlns:a16="http://schemas.microsoft.com/office/drawing/2014/main" xmlns="" id="{9D2A4036-8B23-4FAB-9774-7670D35121FA}"/>
               </a:ext>
             </a:extLst>
           </p:cNvPr>
@@ -7585,7 +7585,7 @@
           <p:cNvPr id="7" name="Slide Number Placeholder 6">
             <a:extLst>
               <a:ext uri="{FF2B5EF4-FFF2-40B4-BE49-F238E27FC236}">
-                <a16:creationId xmlns="" xmlns:a16="http://schemas.microsoft.com/office/drawing/2014/main" id="{E24B3961-56D5-446D-A7E6-A0E687DE901E}"/>
+                <a16:creationId xmlns:a16="http://schemas.microsoft.com/office/drawing/2014/main" xmlns="" id="{E24B3961-56D5-446D-A7E6-A0E687DE901E}"/>
               </a:ext>
             </a:extLst>
           </p:cNvPr>
@@ -7615,7 +7615,7 @@
           <p:cNvPr id="8" name="Content Placeholder 5">
             <a:extLst>
               <a:ext uri="{FF2B5EF4-FFF2-40B4-BE49-F238E27FC236}">
-                <a16:creationId xmlns="" xmlns:a16="http://schemas.microsoft.com/office/drawing/2014/main" id="{50DF1DF3-2C41-46B5-853D-E1F26F2B117F}"/>
+                <a16:creationId xmlns:a16="http://schemas.microsoft.com/office/drawing/2014/main" xmlns="" id="{50DF1DF3-2C41-46B5-853D-E1F26F2B117F}"/>
               </a:ext>
             </a:extLst>
           </p:cNvPr>
@@ -7675,7 +7675,7 @@
     </p:spTree>
     <p:extLst>
       <p:ext uri="{BB962C8B-B14F-4D97-AF65-F5344CB8AC3E}">
-        <p14:creationId xmlns="" xmlns:p14="http://schemas.microsoft.com/office/powerpoint/2010/main" val="3897523198"/>
+        <p14:creationId xmlns:p14="http://schemas.microsoft.com/office/powerpoint/2010/main" xmlns="" val="3897523198"/>
       </p:ext>
     </p:extLst>
   </p:cSld>
@@ -7712,7 +7712,7 @@
           <p:cNvPr id="2" name="Title Placeholder 1">
             <a:extLst>
               <a:ext uri="{FF2B5EF4-FFF2-40B4-BE49-F238E27FC236}">
-                <a16:creationId xmlns="" xmlns:a16="http://schemas.microsoft.com/office/drawing/2014/main" id="{032FE7D9-DDD8-4A42-B890-5EF536FD0C63}"/>
+                <a16:creationId xmlns:a16="http://schemas.microsoft.com/office/drawing/2014/main" xmlns="" id="{032FE7D9-DDD8-4A42-B890-5EF536FD0C63}"/>
               </a:ext>
             </a:extLst>
           </p:cNvPr>
@@ -7750,7 +7750,7 @@
           <p:cNvPr id="3" name="Text Placeholder 2">
             <a:extLst>
               <a:ext uri="{FF2B5EF4-FFF2-40B4-BE49-F238E27FC236}">
-                <a16:creationId xmlns="" xmlns:a16="http://schemas.microsoft.com/office/drawing/2014/main" id="{932CAFDB-3BF2-4D37-8D45-667D4CC8365D}"/>
+                <a16:creationId xmlns:a16="http://schemas.microsoft.com/office/drawing/2014/main" xmlns="" id="{932CAFDB-3BF2-4D37-8D45-667D4CC8365D}"/>
               </a:ext>
             </a:extLst>
           </p:cNvPr>
@@ -7817,7 +7817,7 @@
           <p:cNvPr id="4" name="Date Placeholder 3">
             <a:extLst>
               <a:ext uri="{FF2B5EF4-FFF2-40B4-BE49-F238E27FC236}">
-                <a16:creationId xmlns="" xmlns:a16="http://schemas.microsoft.com/office/drawing/2014/main" id="{FEE77C9F-B009-44F8-8934-46B03DB892D8}"/>
+                <a16:creationId xmlns:a16="http://schemas.microsoft.com/office/drawing/2014/main" xmlns="" id="{FEE77C9F-B009-44F8-8934-46B03DB892D8}"/>
               </a:ext>
             </a:extLst>
           </p:cNvPr>
@@ -7855,7 +7855,7 @@
             <a:fld id="{98C016EF-E8B0-4E8F-9030-8696A0D2C66B}" type="datetime1">
               <a:rPr lang="en-US" smtClean="0"/>
               <a:pPr/>
-              <a:t>7/20/2022</a:t>
+              <a:t>7/21/2022</a:t>
             </a:fld>
             <a:endParaRPr lang="en-US"/>
           </a:p>
@@ -7866,7 +7866,7 @@
           <p:cNvPr id="5" name="Footer Placeholder 4">
             <a:extLst>
               <a:ext uri="{FF2B5EF4-FFF2-40B4-BE49-F238E27FC236}">
-                <a16:creationId xmlns="" xmlns:a16="http://schemas.microsoft.com/office/drawing/2014/main" id="{AF51779D-13AD-450C-B5D0-4BCEB591EF27}"/>
+                <a16:creationId xmlns:a16="http://schemas.microsoft.com/office/drawing/2014/main" xmlns="" id="{AF51779D-13AD-450C-B5D0-4BCEB591EF27}"/>
               </a:ext>
             </a:extLst>
           </p:cNvPr>
@@ -7914,7 +7914,7 @@
           <p:cNvPr id="6" name="Slide Number Placeholder 5">
             <a:extLst>
               <a:ext uri="{FF2B5EF4-FFF2-40B4-BE49-F238E27FC236}">
-                <a16:creationId xmlns="" xmlns:a16="http://schemas.microsoft.com/office/drawing/2014/main" id="{5CF99CC5-EC8D-4B05-A08A-83961AFE4ED5}"/>
+                <a16:creationId xmlns:a16="http://schemas.microsoft.com/office/drawing/2014/main" xmlns="" id="{5CF99CC5-EC8D-4B05-A08A-83961AFE4ED5}"/>
               </a:ext>
             </a:extLst>
           </p:cNvPr>
@@ -7963,7 +7963,7 @@
           <p:cNvPr id="12" name="Picture 11">
             <a:extLst>
               <a:ext uri="{FF2B5EF4-FFF2-40B4-BE49-F238E27FC236}">
-                <a16:creationId xmlns="" xmlns:a16="http://schemas.microsoft.com/office/drawing/2014/main" id="{2BA08A08-8D15-4519-9098-16B3D58658EF}"/>
+                <a16:creationId xmlns:a16="http://schemas.microsoft.com/office/drawing/2014/main" xmlns="" id="{2BA08A08-8D15-4519-9098-16B3D58658EF}"/>
               </a:ext>
             </a:extLst>
           </p:cNvPr>
@@ -7976,7 +7976,7 @@
           <a:blip r:embed="rId17" cstate="print">
             <a:extLst>
               <a:ext uri="{28A0092B-C50C-407E-A947-70E740481C1C}">
-                <a14:useLocalDpi xmlns="" xmlns:a14="http://schemas.microsoft.com/office/drawing/2010/main" val="0"/>
+                <a14:useLocalDpi xmlns:a14="http://schemas.microsoft.com/office/drawing/2010/main" xmlns="" val="0"/>
               </a:ext>
             </a:extLst>
           </a:blip>
@@ -7997,7 +7997,7 @@
     </p:spTree>
     <p:extLst>
       <p:ext uri="{BB962C8B-B14F-4D97-AF65-F5344CB8AC3E}">
-        <p14:creationId xmlns="" xmlns:p14="http://schemas.microsoft.com/office/powerpoint/2010/main" val="583681464"/>
+        <p14:creationId xmlns:p14="http://schemas.microsoft.com/office/powerpoint/2010/main" xmlns="" val="583681464"/>
       </p:ext>
     </p:extLst>
   </p:cSld>
@@ -8319,7 +8319,7 @@
   </p:txStyles>
   <p:extLst>
     <p:ext uri="{27BBF7A9-308A-43DC-89C8-2F10F3537804}">
-      <p15:sldGuideLst xmlns="" xmlns:p15="http://schemas.microsoft.com/office/powerpoint/2012/main">
+      <p15:sldGuideLst xmlns:p15="http://schemas.microsoft.com/office/powerpoint/2012/main" xmlns="">
         <p15:guide id="1" orient="horz" pos="4008" userDrawn="1">
           <p15:clr>
             <a:srgbClr val="F26B43"/>
@@ -8378,7 +8378,7 @@
           <p:cNvPr id="2" name="Title 1">
             <a:extLst>
               <a:ext uri="{FF2B5EF4-FFF2-40B4-BE49-F238E27FC236}">
-                <a16:creationId xmlns="" xmlns:a16="http://schemas.microsoft.com/office/drawing/2014/main" id="{8211FF74-6B4A-4D17-A524-4E9DF287B85A}"/>
+                <a16:creationId xmlns:a16="http://schemas.microsoft.com/office/drawing/2014/main" xmlns="" id="{8211FF74-6B4A-4D17-A524-4E9DF287B85A}"/>
               </a:ext>
             </a:extLst>
           </p:cNvPr>
@@ -8420,7 +8420,7 @@
           <p:cNvPr id="9" name="Subtitle 8">
             <a:extLst>
               <a:ext uri="{FF2B5EF4-FFF2-40B4-BE49-F238E27FC236}">
-                <a16:creationId xmlns="" xmlns:a16="http://schemas.microsoft.com/office/drawing/2014/main" id="{12ED430B-1333-44BD-8961-E4F1F3BB0F10}"/>
+                <a16:creationId xmlns:a16="http://schemas.microsoft.com/office/drawing/2014/main" xmlns="" id="{12ED430B-1333-44BD-8961-E4F1F3BB0F10}"/>
               </a:ext>
             </a:extLst>
           </p:cNvPr>
@@ -8448,7 +8448,7 @@
           <p:cNvPr id="4" name="Footer Placeholder 3">
             <a:extLst>
               <a:ext uri="{FF2B5EF4-FFF2-40B4-BE49-F238E27FC236}">
-                <a16:creationId xmlns="" xmlns:a16="http://schemas.microsoft.com/office/drawing/2014/main" id="{39958263-88D3-42E9-836F-CCCAC72F2598}"/>
+                <a16:creationId xmlns:a16="http://schemas.microsoft.com/office/drawing/2014/main" xmlns="" id="{39958263-88D3-42E9-836F-CCCAC72F2598}"/>
               </a:ext>
             </a:extLst>
           </p:cNvPr>
@@ -8481,7 +8481,7 @@
           <p:cNvPr id="5" name="Slide Number Placeholder 4">
             <a:extLst>
               <a:ext uri="{FF2B5EF4-FFF2-40B4-BE49-F238E27FC236}">
-                <a16:creationId xmlns="" xmlns:a16="http://schemas.microsoft.com/office/drawing/2014/main" id="{63F7206E-501C-4196-8160-C3430EDBFF3B}"/>
+                <a16:creationId xmlns:a16="http://schemas.microsoft.com/office/drawing/2014/main" xmlns="" id="{63F7206E-501C-4196-8160-C3430EDBFF3B}"/>
               </a:ext>
             </a:extLst>
           </p:cNvPr>
@@ -8516,7 +8516,7 @@
           <p:cNvPr id="10" name="Text Placeholder 9">
             <a:extLst>
               <a:ext uri="{FF2B5EF4-FFF2-40B4-BE49-F238E27FC236}">
-                <a16:creationId xmlns="" xmlns:a16="http://schemas.microsoft.com/office/drawing/2014/main" id="{79A2FF18-1131-46D2-940A-6098E2F3679F}"/>
+                <a16:creationId xmlns:a16="http://schemas.microsoft.com/office/drawing/2014/main" xmlns="" id="{79A2FF18-1131-46D2-940A-6098E2F3679F}"/>
               </a:ext>
             </a:extLst>
           </p:cNvPr>
@@ -8543,7 +8543,7 @@
     </p:spTree>
     <p:extLst>
       <p:ext uri="{BB962C8B-B14F-4D97-AF65-F5344CB8AC3E}">
-        <p14:creationId xmlns="" xmlns:p14="http://schemas.microsoft.com/office/powerpoint/2010/main" val="1124895181"/>
+        <p14:creationId xmlns:p14="http://schemas.microsoft.com/office/powerpoint/2010/main" xmlns="" val="1124895181"/>
       </p:ext>
     </p:extLst>
   </p:cSld>
@@ -8612,7 +8612,7 @@
             <a:fld id="{9E28FC91-8A03-41D4-A0F0-F1A32D6695D0}" type="datetime1">
               <a:rPr lang="en-US" smtClean="0"/>
               <a:pPr/>
-              <a:t>7/20/2022</a:t>
+              <a:t>7/21/2022</a:t>
             </a:fld>
             <a:endParaRPr lang="en-US"/>
           </a:p>
@@ -8748,94 +8748,90 @@
           <a:p>
             <a:r>
               <a:rPr lang="en-US" dirty="0" smtClean="0"/>
-              <a:t>On GitHub.com, make the repository name</a:t>
-            </a:r>
-          </a:p>
-          <a:p>
+              <a:t>On GitHub.com, make the repository </a:t>
+            </a:r>
             <a:r>
               <a:rPr lang="en-US" dirty="0" smtClean="0"/>
-              <a:t>On your local computer, Create a directory</a:t>
-            </a:r>
-          </a:p>
-          <a:p>
+              <a:t>name, then copy the clone location (which is in https or </a:t>
+            </a:r>
+            <a:r>
+              <a:rPr lang="en-US" dirty="0" err="1" smtClean="0"/>
+              <a:t>ssh</a:t>
+            </a:r>
             <a:r>
               <a:rPr lang="en-US" dirty="0" smtClean="0"/>
-              <a:t>Change into the directory</a:t>
-            </a:r>
-          </a:p>
-          <a:p>
-            <a:pPr lvl="1"/>
+              <a:t>)</a:t>
+            </a:r>
+            <a:endParaRPr lang="en-US" dirty="0" smtClean="0"/>
+          </a:p>
+          <a:p>
+            <a:r>
+              <a:rPr lang="en-US" dirty="0" smtClean="0"/>
+              <a:t>On your local computer</a:t>
+            </a:r>
+            <a:r>
+              <a:rPr lang="en-US" dirty="0" smtClean="0"/>
+              <a:t>, in the </a:t>
+            </a:r>
             <a:r>
               <a:rPr lang="en-US" dirty="0" err="1" smtClean="0"/>
               <a:t>git</a:t>
             </a:r>
             <a:r>
               <a:rPr lang="en-US" dirty="0" smtClean="0"/>
-              <a:t> init</a:t>
-            </a:r>
-          </a:p>
-          <a:p>
-            <a:pPr lvl="1"/>
+              <a:t> bash window, change to the parent directory where you will store your </a:t>
+            </a:r>
             <a:r>
               <a:rPr lang="en-US" dirty="0" err="1" smtClean="0"/>
               <a:t>git</a:t>
             </a:r>
             <a:r>
               <a:rPr lang="en-US" dirty="0" smtClean="0"/>
-              <a:t> checkout –b main</a:t>
-            </a:r>
-          </a:p>
-          <a:p>
-            <a:pPr lvl="1"/>
+              <a:t> folders</a:t>
+            </a:r>
+            <a:endParaRPr lang="en-US" dirty="0" smtClean="0"/>
+          </a:p>
+          <a:p>
+            <a:r>
+              <a:rPr lang="en-US" dirty="0" err="1" smtClean="0"/>
+              <a:t>Git</a:t>
+            </a:r>
             <a:r>
               <a:rPr lang="en-US" dirty="0" smtClean="0"/>
-              <a:t>Or “</a:t>
-            </a:r>
-            <a:r>
-              <a:rPr lang="en-US" dirty="0" err="1" smtClean="0"/>
-              <a:t>git</a:t>
-            </a:r>
-            <a:r>
-              <a:rPr lang="en-US" dirty="0" smtClean="0"/>
-              <a:t> checkout main” if you are just switching branches</a:t>
-            </a:r>
-          </a:p>
-          <a:p>
-            <a:r>
-              <a:rPr lang="en-US" dirty="0" smtClean="0"/>
-              <a:t>To assign a repo on your </a:t>
-            </a:r>
-            <a:r>
-              <a:rPr lang="en-US" dirty="0" err="1" smtClean="0"/>
-              <a:t>GitHub</a:t>
-            </a:r>
-            <a:r>
-              <a:rPr lang="en-US" dirty="0" smtClean="0"/>
-              <a:t> to a local folder for synching</a:t>
-            </a:r>
-          </a:p>
-          <a:p>
-            <a:pPr lvl="1"/>
-            <a:r>
-              <a:rPr lang="en-US" dirty="0" err="1" smtClean="0"/>
-              <a:t>git</a:t>
-            </a:r>
-            <a:r>
-              <a:rPr lang="en-US" dirty="0" smtClean="0"/>
-              <a:t> remote add “Week3-Another” </a:t>
+              <a:t> clone</a:t>
             </a:r>
             <a:r>
               <a:rPr lang="en-US" dirty="0" smtClean="0">
                 <a:hlinkClick r:id="rId2"/>
               </a:rPr>
-              <a:t>https://github.com/ArthurSGautesen/Week3-Terraform.git</a:t>
+              <a:t> </a:t>
+            </a:r>
+            <a:r>
+              <a:rPr lang="en-US" dirty="0" smtClean="0">
+                <a:hlinkClick r:id="rId2"/>
+              </a:rPr>
+              <a:t>https://</a:t>
+            </a:r>
+            <a:r>
+              <a:rPr lang="en-US" dirty="0" smtClean="0">
+                <a:hlinkClick r:id="rId2"/>
+              </a:rPr>
+              <a:t>github.com/ArthurSGautesen/Week3-Terraform.git</a:t>
             </a:r>
             <a:endParaRPr lang="en-US" dirty="0" smtClean="0"/>
           </a:p>
           <a:p>
             <a:r>
               <a:rPr lang="en-US" dirty="0" smtClean="0"/>
-              <a:t>OR if the URL already exists but you are using it on another folder</a:t>
+              <a:t>Now change into the current working </a:t>
+            </a:r>
+            <a:r>
+              <a:rPr lang="en-US" dirty="0" err="1" smtClean="0"/>
+              <a:t>foldere</a:t>
+            </a:r>
+            <a:r>
+              <a:rPr lang="en-US" dirty="0" smtClean="0"/>
+              <a:t> (in this case Week3-Terraform)</a:t>
             </a:r>
           </a:p>
           <a:p>
@@ -8846,40 +8842,23 @@
             </a:r>
             <a:r>
               <a:rPr lang="en-US" dirty="0" smtClean="0"/>
-              <a:t> remote set-</a:t>
-            </a:r>
-            <a:r>
-              <a:rPr lang="en-US" dirty="0" err="1" smtClean="0"/>
-              <a:t>url</a:t>
-            </a:r>
+              <a:t> init</a:t>
+            </a:r>
+          </a:p>
+          <a:p>
             <a:r>
               <a:rPr lang="en-US" dirty="0" smtClean="0"/>
-              <a:t> origin </a:t>
-            </a:r>
-            <a:r>
-              <a:rPr lang="en-US" dirty="0" smtClean="0">
-                <a:hlinkClick r:id="rId3"/>
-              </a:rPr>
-              <a:t>https</a:t>
-            </a:r>
-            <a:r>
-              <a:rPr lang="en-US" smtClean="0">
-                <a:hlinkClick r:id="rId3"/>
-              </a:rPr>
-              <a:t>://github.com/ArthurSGautesen/Week3-Terraform.git</a:t>
-            </a:r>
-            <a:endParaRPr lang="en-US" dirty="0" smtClean="0"/>
-          </a:p>
-          <a:p>
-            <a:pPr lvl="1"/>
+              <a:t>This should be all you will need to start working with that GIT folder locally (and it should behave on your </a:t>
+            </a:r>
             <a:r>
               <a:rPr lang="en-US" dirty="0" err="1" smtClean="0"/>
               <a:t>git</a:t>
             </a:r>
             <a:r>
               <a:rPr lang="en-US" dirty="0" smtClean="0"/>
-              <a:t> pull --all -v --commit -ff --allow-unrelated-histories</a:t>
-            </a:r>
+              <a:t> site).</a:t>
+            </a:r>
+            <a:endParaRPr lang="en-US" dirty="0" smtClean="0"/>
           </a:p>
         </p:txBody>
       </p:sp>
@@ -8901,7 +8880,7 @@
             <a:fld id="{FBAB9285-8486-4E1E-8748-5885C543539D}" type="datetime1">
               <a:rPr lang="en-US" smtClean="0"/>
               <a:pPr/>
-              <a:t>7/20/2022</a:t>
+              <a:t>7/21/2022</a:t>
             </a:fld>
             <a:endParaRPr lang="en-US"/>
           </a:p>
@@ -9037,7 +9016,19 @@
           <a:p>
             <a:r>
               <a:rPr lang="en-US" dirty="0" smtClean="0"/>
-              <a:t>These commands should be use in this order  after you make changes in your directory.</a:t>
+              <a:t>In the local folder, when you make changes </a:t>
+            </a:r>
+            <a:r>
+              <a:rPr lang="en-US" dirty="0" smtClean="0"/>
+              <a:t>to existing files, or add new files to the folder; go back into the </a:t>
+            </a:r>
+            <a:r>
+              <a:rPr lang="en-US" dirty="0" err="1" smtClean="0"/>
+              <a:t>Git</a:t>
+            </a:r>
+            <a:r>
+              <a:rPr lang="en-US" dirty="0" smtClean="0"/>
+              <a:t> Bash window and use these commands in this order</a:t>
             </a:r>
           </a:p>
           <a:p>
@@ -9048,18 +9039,11 @@
             </a:r>
             <a:r>
               <a:rPr lang="en-US" dirty="0" smtClean="0"/>
-              <a:t> pull -f</a:t>
-            </a:r>
-          </a:p>
-          <a:p>
-            <a:pPr lvl="1"/>
-            <a:r>
-              <a:rPr lang="en-US" dirty="0" err="1" smtClean="0"/>
-              <a:t>git</a:t>
+              <a:t> </a:t>
             </a:r>
             <a:r>
               <a:rPr lang="en-US" dirty="0" smtClean="0"/>
-              <a:t> add *</a:t>
+              <a:t>add *</a:t>
             </a:r>
           </a:p>
           <a:p>
@@ -9076,8 +9060,30 @@
             </a:r>
             <a:r>
               <a:rPr lang="en-US" dirty="0" smtClean="0"/>
-              <a:t> commit –a</a:t>
-            </a:r>
+              <a:t> commit </a:t>
+            </a:r>
+            <a:r>
+              <a:rPr lang="en-US" dirty="0" smtClean="0"/>
+              <a:t>–m “insert reminder message here”</a:t>
+            </a:r>
+          </a:p>
+          <a:p>
+            <a:pPr marL="457200" lvl="2">
+              <a:spcBef>
+                <a:spcPts val="1000"/>
+              </a:spcBef>
+              <a:buFont typeface="Arial" panose="020B0604020202020204" pitchFamily="34" charset="0"/>
+              <a:buChar char="•"/>
+            </a:pPr>
+            <a:r>
+              <a:rPr lang="en-US" dirty="0" err="1" smtClean="0"/>
+              <a:t>git</a:t>
+            </a:r>
+            <a:r>
+              <a:rPr lang="en-US" dirty="0" smtClean="0"/>
+              <a:t> push</a:t>
+            </a:r>
+            <a:endParaRPr lang="en-US" dirty="0" smtClean="0"/>
           </a:p>
           <a:p>
             <a:r>
@@ -9130,7 +9136,7 @@
             <a:fld id="{FBAB9285-8486-4E1E-8748-5885C543539D}" type="datetime1">
               <a:rPr lang="en-US" smtClean="0"/>
               <a:pPr/>
-              <a:t>7/20/2022</a:t>
+              <a:t>7/21/2022</a:t>
             </a:fld>
             <a:endParaRPr lang="en-US"/>
           </a:p>
@@ -9251,7 +9257,7 @@
             <a:fld id="{9E28FC91-8A03-41D4-A0F0-F1A32D6695D0}" type="datetime1">
               <a:rPr lang="en-US" smtClean="0"/>
               <a:pPr/>
-              <a:t>7/20/2022</a:t>
+              <a:t>7/21/2022</a:t>
             </a:fld>
             <a:endParaRPr lang="en-US"/>
           </a:p>
@@ -9436,7 +9442,7 @@
             <a:fld id="{FBAB9285-8486-4E1E-8748-5885C543539D}" type="datetime1">
               <a:rPr lang="en-US" smtClean="0"/>
               <a:pPr/>
-              <a:t>7/20/2022</a:t>
+              <a:t>7/21/2022</a:t>
             </a:fld>
             <a:endParaRPr lang="en-US"/>
           </a:p>
@@ -9557,7 +9563,7 @@
             <a:fld id="{9E28FC91-8A03-41D4-A0F0-F1A32D6695D0}" type="datetime1">
               <a:rPr lang="en-US" smtClean="0"/>
               <a:pPr/>
-              <a:t>7/20/2022</a:t>
+              <a:t>7/21/2022</a:t>
             </a:fld>
             <a:endParaRPr lang="en-US"/>
           </a:p>
@@ -9814,7 +9820,7 @@
   <a:extraClrSchemeLst/>
   <a:extLst>
     <a:ext uri="{05A4C25C-085E-4340-85A3-A5531E510DB2}">
-      <thm15:themeFamily xmlns="" xmlns:thm15="http://schemas.microsoft.com/office/thememl/2012/main" name="Office Theme" id="{62F939B6-93AF-4DB8-9C6B-D6C7DFDC589F}" vid="{4A3C46E8-61CC-4603-A589-7422A47A8E4A}"/>
+      <thm15:themeFamily xmlns:thm15="http://schemas.microsoft.com/office/thememl/2012/main" xmlns="" name="Office Theme" id="{62F939B6-93AF-4DB8-9C6B-D6C7DFDC589F}" vid="{4A3C46E8-61CC-4603-A589-7422A47A8E4A}"/>
     </a:ext>
   </a:extLst>
 </a:theme>
@@ -10109,13 +10115,30 @@
   <a:extraClrSchemeLst/>
   <a:extLst>
     <a:ext uri="{05A4C25C-085E-4340-85A3-A5531E510DB2}">
-      <thm15:themeFamily xmlns="" xmlns:thm15="http://schemas.microsoft.com/office/thememl/2012/main" name="Office Theme" id="{62F939B6-93AF-4DB8-9C6B-D6C7DFDC589F}" vid="{4A3C46E8-61CC-4603-A589-7422A47A8E4A}"/>
+      <thm15:themeFamily xmlns:thm15="http://schemas.microsoft.com/office/thememl/2012/main" xmlns="" name="Office Theme" id="{62F939B6-93AF-4DB8-9C6B-D6C7DFDC589F}" vid="{4A3C46E8-61CC-4603-A589-7422A47A8E4A}"/>
     </a:ext>
   </a:extLst>
 </a:theme>
 </file>
 
 <file path=customXml/item1.xml><?xml version="1.0" encoding="utf-8"?>
+<?mso-contentType ?>
+<FormTemplates xmlns="http://schemas.microsoft.com/sharepoint/v3/contenttype/forms">
+  <Display>DocumentLibraryForm</Display>
+  <Edit>DocumentLibraryForm</Edit>
+  <New>DocumentLibraryForm</New>
+</FormTemplates>
+</file>
+
+<file path=customXml/item2.xml><?xml version="1.0" encoding="utf-8"?>
+<p:properties xmlns:p="http://schemas.microsoft.com/office/2006/metadata/properties" xmlns:xsi="http://www.w3.org/2001/XMLSchema-instance" xmlns:pc="http://schemas.microsoft.com/office/infopath/2007/PartnerControls">
+  <documentManagement>
+    <TemplateCat xmlns="d363961d-a49b-4629-bd2e-f84766f36237">5_Graphic Design</TemplateCat>
+  </documentManagement>
+</p:properties>
+</file>
+
+<file path=customXml/item3.xml><?xml version="1.0" encoding="utf-8"?>
 <ct:contentTypeSchema xmlns:ct="http://schemas.microsoft.com/office/2006/metadata/contentType" xmlns:ma="http://schemas.microsoft.com/office/2006/metadata/properties/metaAttributes" ct:_="" ma:_="" ma:contentTypeName="Document" ma:contentTypeID="0x0101005EEC533548EC2A4E85D4CE4AD7C194FC" ma:contentTypeVersion="5" ma:contentTypeDescription="Create a new document." ma:contentTypeScope="" ma:versionID="28bea524a6459220d1122caf9fb825fb">
   <xsd:schema xmlns:xsd="http://www.w3.org/2001/XMLSchema" xmlns:xs="http://www.w3.org/2001/XMLSchema" xmlns:p="http://schemas.microsoft.com/office/2006/metadata/properties" xmlns:ns2="d363961d-a49b-4629-bd2e-f84766f36237" xmlns:ns3="6ee64486-eed8-40b8-968c-ef3e929b6006" targetNamespace="http://schemas.microsoft.com/office/2006/metadata/properties" ma:root="true" ma:fieldsID="67db52673b4dc88f21f2118a4e675342" ns2:_="" ns3:_="">
     <xsd:import namespace="d363961d-a49b-4629-bd2e-f84766f36237"/>
@@ -10266,24 +10289,25 @@
 </ct:contentTypeSchema>
 </file>
 
-<file path=customXml/item2.xml><?xml version="1.0" encoding="utf-8"?>
-<p:properties xmlns:p="http://schemas.microsoft.com/office/2006/metadata/properties" xmlns:xsi="http://www.w3.org/2001/XMLSchema-instance" xmlns:pc="http://schemas.microsoft.com/office/infopath/2007/PartnerControls">
-  <documentManagement>
-    <TemplateCat xmlns="d363961d-a49b-4629-bd2e-f84766f36237">5_Graphic Design</TemplateCat>
-  </documentManagement>
-</p:properties>
+<file path=customXml/itemProps1.xml><?xml version="1.0" encoding="utf-8"?>
+<ds:datastoreItem xmlns:ds="http://schemas.openxmlformats.org/officeDocument/2006/customXml" ds:itemID="{A9E3B906-CFA6-4543-AEA9-CA37B404A4B9}">
+  <ds:schemaRefs>
+    <ds:schemaRef ds:uri="http://schemas.microsoft.com/sharepoint/v3/contenttype/forms"/>
+  </ds:schemaRefs>
+</ds:datastoreItem>
 </file>
 
-<file path=customXml/item3.xml><?xml version="1.0" encoding="utf-8"?>
-<?mso-contentType ?>
-<FormTemplates xmlns="http://schemas.microsoft.com/sharepoint/v3/contenttype/forms">
-  <Display>DocumentLibraryForm</Display>
-  <Edit>DocumentLibraryForm</Edit>
-  <New>DocumentLibraryForm</New>
-</FormTemplates>
+<file path=customXml/itemProps2.xml><?xml version="1.0" encoding="utf-8"?>
+<ds:datastoreItem xmlns:ds="http://schemas.openxmlformats.org/officeDocument/2006/customXml" ds:itemID="{F849EDF1-8139-4698-8AA1-7AF5D488C388}">
+  <ds:schemaRefs>
+    <ds:schemaRef ds:uri="http://schemas.microsoft.com/office/2006/metadata/properties"/>
+    <ds:schemaRef ds:uri="http://schemas.microsoft.com/office/infopath/2007/PartnerControls"/>
+    <ds:schemaRef ds:uri="d363961d-a49b-4629-bd2e-f84766f36237"/>
+  </ds:schemaRefs>
+</ds:datastoreItem>
 </file>
 
-<file path=customXml/itemProps1.xml><?xml version="1.0" encoding="utf-8"?>
+<file path=customXml/itemProps3.xml><?xml version="1.0" encoding="utf-8"?>
 <ds:datastoreItem xmlns:ds="http://schemas.openxmlformats.org/officeDocument/2006/customXml" ds:itemID="{65384091-746C-4BED-A62A-9EDC11B9DE1D}">
   <ds:schemaRefs>
     <ds:schemaRef ds:uri="http://schemas.microsoft.com/office/2006/metadata/contentType"/>
@@ -10300,22 +10324,4 @@
     <ds:schemaRef ds:uri="http://schemas.microsoft.com/internal/obd"/>
   </ds:schemaRefs>
 </ds:datastoreItem>
-</file>
-
-<file path=customXml/itemProps2.xml><?xml version="1.0" encoding="utf-8"?>
-<ds:datastoreItem xmlns:ds="http://schemas.openxmlformats.org/officeDocument/2006/customXml" ds:itemID="{F849EDF1-8139-4698-8AA1-7AF5D488C388}">
-  <ds:schemaRefs>
-    <ds:schemaRef ds:uri="http://schemas.microsoft.com/office/2006/metadata/properties"/>
-    <ds:schemaRef ds:uri="http://schemas.microsoft.com/office/infopath/2007/PartnerControls"/>
-    <ds:schemaRef ds:uri="d363961d-a49b-4629-bd2e-f84766f36237"/>
-  </ds:schemaRefs>
-</ds:datastoreItem>
-</file>
-
-<file path=customXml/itemProps3.xml><?xml version="1.0" encoding="utf-8"?>
-<ds:datastoreItem xmlns:ds="http://schemas.openxmlformats.org/officeDocument/2006/customXml" ds:itemID="{A9E3B906-CFA6-4543-AEA9-CA37B404A4B9}">
-  <ds:schemaRefs>
-    <ds:schemaRef ds:uri="http://schemas.microsoft.com/sharepoint/v3/contenttype/forms"/>
-  </ds:schemaRefs>
-</ds:datastoreItem>
 </file>
--- a/Week3-GitHub_And_Terraform.pptx
+++ b/Week3-GitHub_And_Terraform.pptx
@@ -8765,13 +8765,42 @@
             <a:endParaRPr lang="en-US" dirty="0" smtClean="0"/>
           </a:p>
           <a:p>
+            <a:pPr lvl="1"/>
             <a:r>
               <a:rPr lang="en-US" dirty="0" smtClean="0"/>
-              <a:t>On your local computer</a:t>
+              <a:t>NOTE: You may want to include a .</a:t>
+            </a:r>
+            <a:r>
+              <a:rPr lang="en-US" dirty="0" err="1" smtClean="0"/>
+              <a:t>gitignore</a:t>
             </a:r>
             <a:r>
               <a:rPr lang="en-US" dirty="0" smtClean="0"/>
-              <a:t>, in the </a:t>
+              <a:t> in the Repo creation, and have it ignore </a:t>
+            </a:r>
+            <a:r>
+              <a:rPr lang="en-US" dirty="0" err="1" smtClean="0"/>
+              <a:t>Terraform</a:t>
+            </a:r>
+            <a:r>
+              <a:rPr lang="en-US" dirty="0" smtClean="0"/>
+              <a:t> files and the .</a:t>
+            </a:r>
+            <a:r>
+              <a:rPr lang="en-US" dirty="0" err="1" smtClean="0"/>
+              <a:t>terraform</a:t>
+            </a:r>
+            <a:r>
+              <a:rPr lang="en-US" dirty="0" smtClean="0"/>
+              <a:t> folder, that way you can include only the .</a:t>
+            </a:r>
+            <a:r>
+              <a:rPr lang="en-US" dirty="0" err="1" smtClean="0"/>
+              <a:t>tf</a:t>
+            </a:r>
+            <a:r>
+              <a:rPr lang="en-US" dirty="0" smtClean="0"/>
+              <a:t> files and have </a:t>
             </a:r>
             <a:r>
               <a:rPr lang="en-US" dirty="0" err="1" smtClean="0"/>
@@ -8779,7 +8808,30 @@
             </a:r>
             <a:r>
               <a:rPr lang="en-US" dirty="0" smtClean="0"/>
-              <a:t> bash window, change to the parent directory where you will store your </a:t>
+              <a:t> ignore the rest (for both security, and to avoid </a:t>
+            </a:r>
+            <a:r>
+              <a:rPr lang="en-US" dirty="0" err="1" smtClean="0"/>
+              <a:t>github</a:t>
+            </a:r>
+            <a:r>
+              <a:rPr lang="en-US" dirty="0" smtClean="0"/>
+              <a:t> needing to add so many </a:t>
+            </a:r>
+            <a:r>
+              <a:rPr lang="en-US" dirty="0" err="1" smtClean="0"/>
+              <a:t>terraform</a:t>
+            </a:r>
+            <a:r>
+              <a:rPr lang="en-US" dirty="0" smtClean="0"/>
+              <a:t> files needlessly).</a:t>
+            </a:r>
+            <a:endParaRPr lang="en-US" dirty="0" smtClean="0"/>
+          </a:p>
+          <a:p>
+            <a:r>
+              <a:rPr lang="en-US" dirty="0" smtClean="0"/>
+              <a:t>On your local computer, in the </a:t>
             </a:r>
             <a:r>
               <a:rPr lang="en-US" dirty="0" err="1" smtClean="0"/>
@@ -8787,9 +8839,16 @@
             </a:r>
             <a:r>
               <a:rPr lang="en-US" dirty="0" smtClean="0"/>
-              <a:t> folders</a:t>
-            </a:r>
-            <a:endParaRPr lang="en-US" dirty="0" smtClean="0"/>
+              <a:t> bash window, change to the parent directory where you will store your </a:t>
+            </a:r>
+            <a:r>
+              <a:rPr lang="en-US" dirty="0" err="1" smtClean="0"/>
+              <a:t>git</a:t>
+            </a:r>
+            <a:r>
+              <a:rPr lang="en-US" dirty="0" smtClean="0"/>
+              <a:t> folders.</a:t>
+            </a:r>
           </a:p>
           <a:p>
             <a:r>
@@ -8804,13 +8863,7 @@
               <a:rPr lang="en-US" dirty="0" smtClean="0">
                 <a:hlinkClick r:id="rId2"/>
               </a:rPr>
-              <a:t> </a:t>
-            </a:r>
-            <a:r>
-              <a:rPr lang="en-US" dirty="0" smtClean="0">
-                <a:hlinkClick r:id="rId2"/>
-              </a:rPr>
-              <a:t>https://</a:t>
+              <a:t> https://</a:t>
             </a:r>
             <a:r>
               <a:rPr lang="en-US" dirty="0" smtClean="0">
@@ -8823,15 +8876,7 @@
           <a:p>
             <a:r>
               <a:rPr lang="en-US" dirty="0" smtClean="0"/>
-              <a:t>Now change into the current working </a:t>
-            </a:r>
-            <a:r>
-              <a:rPr lang="en-US" dirty="0" err="1" smtClean="0"/>
-              <a:t>foldere</a:t>
-            </a:r>
-            <a:r>
-              <a:rPr lang="en-US" dirty="0" smtClean="0"/>
-              <a:t> (in this case Week3-Terraform)</a:t>
+              <a:t>Now change into the current working folder (in this case Week3-Terraform)</a:t>
             </a:r>
           </a:p>
           <a:p>
@@ -8852,7 +8897,7 @@
             </a:r>
             <a:r>
               <a:rPr lang="en-US" dirty="0" err="1" smtClean="0"/>
-              <a:t>git</a:t>
+              <a:t>github</a:t>
             </a:r>
             <a:r>
               <a:rPr lang="en-US" dirty="0" smtClean="0"/>
@@ -9016,7 +9061,7 @@
           <a:p>
             <a:r>
               <a:rPr lang="en-US" dirty="0" smtClean="0"/>
-              <a:t>In the local folder, when you make changes </a:t>
+              <a:t>In the local folder, whenever you make changes </a:t>
             </a:r>
             <a:r>
               <a:rPr lang="en-US" dirty="0" smtClean="0"/>
@@ -9028,7 +9073,7 @@
             </a:r>
             <a:r>
               <a:rPr lang="en-US" dirty="0" smtClean="0"/>
-              <a:t> Bash window and use these commands in this order</a:t>
+              <a:t> Bash window and use these commands in this order, verify you are in the correct folder and then use the following commands</a:t>
             </a:r>
           </a:p>
           <a:p>
@@ -9043,24 +9088,26 @@
             </a:r>
             <a:r>
               <a:rPr lang="en-US" dirty="0" smtClean="0"/>
-              <a:t>add *</a:t>
-            </a:r>
-          </a:p>
-          <a:p>
-            <a:pPr marL="457200" lvl="2">
-              <a:spcBef>
-                <a:spcPts val="1000"/>
-              </a:spcBef>
-              <a:buFont typeface="Arial" panose="020B0604020202020204" pitchFamily="34" charset="0"/>
-              <a:buChar char="•"/>
-            </a:pPr>
+              <a:t>add </a:t>
+            </a:r>
+            <a:r>
+              <a:rPr lang="en-US" dirty="0" smtClean="0"/>
+              <a:t>*</a:t>
+            </a:r>
+          </a:p>
+          <a:p>
+            <a:pPr lvl="1"/>
             <a:r>
               <a:rPr lang="en-US" dirty="0" err="1" smtClean="0"/>
               <a:t>git</a:t>
             </a:r>
             <a:r>
               <a:rPr lang="en-US" dirty="0" smtClean="0"/>
-              <a:t> commit </a:t>
+              <a:t> </a:t>
+            </a:r>
+            <a:r>
+              <a:rPr lang="en-US" dirty="0" smtClean="0"/>
+              <a:t>commit </a:t>
             </a:r>
             <a:r>
               <a:rPr lang="en-US" dirty="0" smtClean="0"/>
@@ -9068,13 +9115,7 @@
             </a:r>
           </a:p>
           <a:p>
-            <a:pPr marL="457200" lvl="2">
-              <a:spcBef>
-                <a:spcPts val="1000"/>
-              </a:spcBef>
-              <a:buFont typeface="Arial" panose="020B0604020202020204" pitchFamily="34" charset="0"/>
-              <a:buChar char="•"/>
-            </a:pPr>
+            <a:pPr lvl="1"/>
             <a:r>
               <a:rPr lang="en-US" dirty="0" err="1" smtClean="0"/>
               <a:t>git</a:t>
@@ -9088,30 +9129,41 @@
           <a:p>
             <a:r>
               <a:rPr lang="en-US" dirty="0" smtClean="0"/>
-              <a:t>If you want to avoid the editor</a:t>
-            </a:r>
-          </a:p>
-          <a:p>
-            <a:pPr lvl="2"/>
+              <a:t>IF you are using a </a:t>
+            </a:r>
+            <a:r>
+              <a:rPr lang="en-US" dirty="0" err="1" smtClean="0"/>
+              <a:t>github</a:t>
+            </a:r>
+            <a:r>
+              <a:rPr lang="en-US" dirty="0" smtClean="0"/>
+              <a:t> repo that others are using as well, you want to </a:t>
+            </a:r>
+            <a:r>
+              <a:rPr lang="en-US" dirty="0" err="1" smtClean="0"/>
+              <a:t>preceed</a:t>
+            </a:r>
+            <a:r>
+              <a:rPr lang="en-US" dirty="0" smtClean="0"/>
+              <a:t> the following commands with</a:t>
+            </a:r>
+            <a:endParaRPr lang="en-US" dirty="0" smtClean="0"/>
+          </a:p>
+          <a:p>
+            <a:pPr lvl="1"/>
             <a:r>
               <a:rPr lang="en-US" dirty="0" err="1" smtClean="0"/>
               <a:t>git</a:t>
             </a:r>
             <a:r>
               <a:rPr lang="en-US" dirty="0" smtClean="0"/>
-              <a:t> commit –am “First Push”</a:t>
-            </a:r>
-          </a:p>
-          <a:p>
-            <a:pPr lvl="1"/>
-            <a:r>
-              <a:rPr lang="en-US" dirty="0" err="1" smtClean="0"/>
-              <a:t>git</a:t>
+              <a:t> </a:t>
             </a:r>
             <a:r>
               <a:rPr lang="en-US" dirty="0" smtClean="0"/>
-              <a:t> push –f</a:t>
-            </a:r>
+              <a:t>pull</a:t>
+            </a:r>
+            <a:endParaRPr lang="en-US" dirty="0" smtClean="0"/>
           </a:p>
           <a:p>
             <a:endParaRPr lang="en-US" dirty="0"/>

--- a/Week3-GitHub_And_Terraform.pptx
+++ b/Week3-GitHub_And_Terraform.pptx
@@ -5,16 +5,17 @@
     <p:sldMasterId id="2147483648" r:id="rId4"/>
   </p:sldMasterIdLst>
   <p:notesMasterIdLst>
-    <p:notesMasterId r:id="rId12"/>
+    <p:notesMasterId r:id="rId13"/>
   </p:notesMasterIdLst>
   <p:sldIdLst>
     <p:sldId id="256" r:id="rId5"/>
     <p:sldId id="261" r:id="rId6"/>
     <p:sldId id="259" r:id="rId7"/>
-    <p:sldId id="260" r:id="rId8"/>
-    <p:sldId id="262" r:id="rId9"/>
-    <p:sldId id="263" r:id="rId10"/>
-    <p:sldId id="264" r:id="rId11"/>
+    <p:sldId id="265" r:id="rId8"/>
+    <p:sldId id="260" r:id="rId9"/>
+    <p:sldId id="262" r:id="rId10"/>
+    <p:sldId id="263" r:id="rId11"/>
+    <p:sldId id="264" r:id="rId12"/>
   </p:sldIdLst>
   <p:sldSz cx="12192000" cy="6858000"/>
   <p:notesSz cx="6400800" cy="11733213"/>
@@ -8826,12 +8827,20 @@
               <a:rPr lang="en-US" dirty="0" smtClean="0"/>
               <a:t> files needlessly).</a:t>
             </a:r>
-            <a:endParaRPr lang="en-US" dirty="0" smtClean="0"/>
-          </a:p>
-          <a:p>
+          </a:p>
+          <a:p>
+            <a:pPr lvl="1"/>
             <a:r>
               <a:rPr lang="en-US" dirty="0" smtClean="0"/>
-              <a:t>On your local computer, in the </a:t>
+              <a:t>There is a green button on the </a:t>
+            </a:r>
+            <a:r>
+              <a:rPr lang="en-US" dirty="0" err="1" smtClean="0"/>
+              <a:t>GitHub</a:t>
+            </a:r>
+            <a:r>
+              <a:rPr lang="en-US" dirty="0" smtClean="0"/>
+              <a:t> site that says “Code” and is what you will use for the </a:t>
             </a:r>
             <a:r>
               <a:rPr lang="en-US" dirty="0" err="1" smtClean="0"/>
@@ -8839,69 +8848,7 @@
             </a:r>
             <a:r>
               <a:rPr lang="en-US" dirty="0" smtClean="0"/>
-              <a:t> bash window, change to the parent directory where you will store your </a:t>
-            </a:r>
-            <a:r>
-              <a:rPr lang="en-US" dirty="0" err="1" smtClean="0"/>
-              <a:t>git</a:t>
-            </a:r>
-            <a:r>
-              <a:rPr lang="en-US" dirty="0" smtClean="0"/>
-              <a:t> folders.</a:t>
-            </a:r>
-          </a:p>
-          <a:p>
-            <a:r>
-              <a:rPr lang="en-US" dirty="0" err="1" smtClean="0"/>
-              <a:t>Git</a:t>
-            </a:r>
-            <a:r>
-              <a:rPr lang="en-US" dirty="0" smtClean="0"/>
-              <a:t> clone</a:t>
-            </a:r>
-            <a:r>
-              <a:rPr lang="en-US" dirty="0" smtClean="0">
-                <a:hlinkClick r:id="rId2"/>
-              </a:rPr>
-              <a:t> https://</a:t>
-            </a:r>
-            <a:r>
-              <a:rPr lang="en-US" dirty="0" smtClean="0">
-                <a:hlinkClick r:id="rId2"/>
-              </a:rPr>
-              <a:t>github.com/ArthurSGautesen/Week3-Terraform.git</a:t>
-            </a:r>
-            <a:endParaRPr lang="en-US" dirty="0" smtClean="0"/>
-          </a:p>
-          <a:p>
-            <a:r>
-              <a:rPr lang="en-US" dirty="0" smtClean="0"/>
-              <a:t>Now change into the current working folder (in this case Week3-Terraform)</a:t>
-            </a:r>
-          </a:p>
-          <a:p>
-            <a:pPr lvl="1"/>
-            <a:r>
-              <a:rPr lang="en-US" dirty="0" err="1" smtClean="0"/>
-              <a:t>git</a:t>
-            </a:r>
-            <a:r>
-              <a:rPr lang="en-US" dirty="0" smtClean="0"/>
-              <a:t> init</a:t>
-            </a:r>
-          </a:p>
-          <a:p>
-            <a:r>
-              <a:rPr lang="en-US" dirty="0" smtClean="0"/>
-              <a:t>This should be all you will need to start working with that GIT folder locally (and it should behave on your </a:t>
-            </a:r>
-            <a:r>
-              <a:rPr lang="en-US" dirty="0" err="1" smtClean="0"/>
-              <a:t>github</a:t>
-            </a:r>
-            <a:r>
-              <a:rPr lang="en-US" dirty="0" smtClean="0"/>
-              <a:t> site).</a:t>
+              <a:t> clone command). That can be copied by the double square button</a:t>
             </a:r>
             <a:endParaRPr lang="en-US" dirty="0" smtClean="0"/>
           </a:p>
@@ -9061,19 +9008,56 @@
           <a:p>
             <a:r>
               <a:rPr lang="en-US" dirty="0" smtClean="0"/>
-              <a:t>In the local folder, whenever you make changes </a:t>
+              <a:t>On </a:t>
             </a:r>
             <a:r>
               <a:rPr lang="en-US" dirty="0" smtClean="0"/>
-              <a:t>to existing files, or add new files to the folder; go back into the </a:t>
-            </a:r>
+              <a:t>your local computer, in the </a:t>
+            </a:r>
+            <a:r>
+              <a:rPr lang="en-US" dirty="0" err="1" smtClean="0"/>
+              <a:t>git</a:t>
+            </a:r>
+            <a:r>
+              <a:rPr lang="en-US" dirty="0" smtClean="0"/>
+              <a:t> bash window, change to the parent directory where you will store your </a:t>
+            </a:r>
+            <a:r>
+              <a:rPr lang="en-US" dirty="0" err="1" smtClean="0"/>
+              <a:t>git</a:t>
+            </a:r>
+            <a:r>
+              <a:rPr lang="en-US" dirty="0" smtClean="0"/>
+              <a:t> folders.</a:t>
+            </a:r>
+          </a:p>
+          <a:p>
             <a:r>
               <a:rPr lang="en-US" dirty="0" err="1" smtClean="0"/>
               <a:t>Git</a:t>
             </a:r>
             <a:r>
               <a:rPr lang="en-US" dirty="0" smtClean="0"/>
-              <a:t> Bash window and use these commands in this order, verify you are in the correct folder and then use the following commands</a:t>
+              <a:t> clone</a:t>
+            </a:r>
+            <a:r>
+              <a:rPr lang="en-US" dirty="0" smtClean="0">
+                <a:hlinkClick r:id="rId2"/>
+              </a:rPr>
+              <a:t> https://</a:t>
+            </a:r>
+            <a:r>
+              <a:rPr lang="en-US" dirty="0" smtClean="0">
+                <a:hlinkClick r:id="rId2"/>
+              </a:rPr>
+              <a:t>github.com/ArthurSGautesen/Week3-Terraform.git</a:t>
+            </a:r>
+            <a:endParaRPr lang="en-US" dirty="0" smtClean="0"/>
+          </a:p>
+          <a:p>
+            <a:r>
+              <a:rPr lang="en-US" dirty="0" smtClean="0"/>
+              <a:t>Now change into the current working folder (in this case Week3-Terraform)</a:t>
             </a:r>
           </a:p>
           <a:p>
@@ -9084,52 +9068,13 @@
             </a:r>
             <a:r>
               <a:rPr lang="en-US" dirty="0" smtClean="0"/>
-              <a:t> </a:t>
-            </a:r>
+              <a:t> init</a:t>
+            </a:r>
+          </a:p>
+          <a:p>
             <a:r>
               <a:rPr lang="en-US" dirty="0" smtClean="0"/>
-              <a:t>add </a:t>
-            </a:r>
-            <a:r>
-              <a:rPr lang="en-US" dirty="0" smtClean="0"/>
-              <a:t>*</a:t>
-            </a:r>
-          </a:p>
-          <a:p>
-            <a:pPr lvl="1"/>
-            <a:r>
-              <a:rPr lang="en-US" dirty="0" err="1" smtClean="0"/>
-              <a:t>git</a:t>
-            </a:r>
-            <a:r>
-              <a:rPr lang="en-US" dirty="0" smtClean="0"/>
-              <a:t> </a:t>
-            </a:r>
-            <a:r>
-              <a:rPr lang="en-US" dirty="0" smtClean="0"/>
-              <a:t>commit </a:t>
-            </a:r>
-            <a:r>
-              <a:rPr lang="en-US" dirty="0" smtClean="0"/>
-              <a:t>–m “insert reminder message here”</a:t>
-            </a:r>
-          </a:p>
-          <a:p>
-            <a:pPr lvl="1"/>
-            <a:r>
-              <a:rPr lang="en-US" dirty="0" err="1" smtClean="0"/>
-              <a:t>git</a:t>
-            </a:r>
-            <a:r>
-              <a:rPr lang="en-US" dirty="0" smtClean="0"/>
-              <a:t> push</a:t>
-            </a:r>
-            <a:endParaRPr lang="en-US" dirty="0" smtClean="0"/>
-          </a:p>
-          <a:p>
-            <a:r>
-              <a:rPr lang="en-US" dirty="0" smtClean="0"/>
-              <a:t>IF you are using a </a:t>
+              <a:t>This should be all you will need to start working with that GIT folder locally (and it should behave on your </a:t>
             </a:r>
             <a:r>
               <a:rPr lang="en-US" dirty="0" err="1" smtClean="0"/>
@@ -9137,36 +9082,9 @@
             </a:r>
             <a:r>
               <a:rPr lang="en-US" dirty="0" smtClean="0"/>
-              <a:t> repo that others are using as well, you want to </a:t>
-            </a:r>
-            <a:r>
-              <a:rPr lang="en-US" dirty="0" err="1" smtClean="0"/>
-              <a:t>preceed</a:t>
-            </a:r>
-            <a:r>
-              <a:rPr lang="en-US" dirty="0" smtClean="0"/>
-              <a:t> the following commands with</a:t>
+              <a:t> site).</a:t>
             </a:r>
             <a:endParaRPr lang="en-US" dirty="0" smtClean="0"/>
-          </a:p>
-          <a:p>
-            <a:pPr lvl="1"/>
-            <a:r>
-              <a:rPr lang="en-US" dirty="0" err="1" smtClean="0"/>
-              <a:t>git</a:t>
-            </a:r>
-            <a:r>
-              <a:rPr lang="en-US" dirty="0" smtClean="0"/>
-              <a:t> </a:t>
-            </a:r>
-            <a:r>
-              <a:rPr lang="en-US" dirty="0" smtClean="0"/>
-              <a:t>pull</a:t>
-            </a:r>
-            <a:endParaRPr lang="en-US" dirty="0" smtClean="0"/>
-          </a:p>
-          <a:p>
-            <a:endParaRPr lang="en-US" dirty="0"/>
           </a:p>
         </p:txBody>
       </p:sp>
@@ -9269,7 +9187,7 @@
       </p:grpSpPr>
       <p:sp>
         <p:nvSpPr>
-          <p:cNvPr id="7" name="Title 6"/>
+          <p:cNvPr id="9" name="Title 8"/>
           <p:cNvSpPr>
             <a:spLocks noGrp="1"/>
           </p:cNvSpPr>
@@ -9284,16 +9202,153 @@
           <a:p>
             <a:pPr algn="ctr"/>
             <a:r>
-              <a:rPr lang="en-US" sz="4400" dirty="0" err="1" smtClean="0"/>
-              <a:t>Terraform</a:t>
-            </a:r>
-            <a:endParaRPr lang="en-US" sz="4400" dirty="0"/>
-          </a:p>
-        </p:txBody>
-      </p:sp>
-      <p:sp>
-        <p:nvSpPr>
-          <p:cNvPr id="4" name="Date Placeholder 3"/>
+              <a:rPr lang="en-US" sz="2800" b="1" dirty="0" smtClean="0"/>
+              <a:t>Connecting </a:t>
+            </a:r>
+            <a:r>
+              <a:rPr lang="en-US" sz="2800" b="1" dirty="0" err="1" smtClean="0"/>
+              <a:t>GitHub</a:t>
+            </a:r>
+            <a:r>
+              <a:rPr lang="en-US" sz="2800" b="1" dirty="0" smtClean="0"/>
+              <a:t> Bash to the </a:t>
+            </a:r>
+            <a:r>
+              <a:rPr lang="en-US" sz="2800" b="1" dirty="0" err="1" smtClean="0"/>
+              <a:t>GitHub</a:t>
+            </a:r>
+            <a:r>
+              <a:rPr lang="en-US" sz="2800" b="1" dirty="0" smtClean="0"/>
+              <a:t> Site and YOUR Account</a:t>
+            </a:r>
+            <a:endParaRPr lang="en-US" sz="2800" b="1" dirty="0"/>
+          </a:p>
+        </p:txBody>
+      </p:sp>
+      <p:sp>
+        <p:nvSpPr>
+          <p:cNvPr id="10" name="Content Placeholder 9"/>
+          <p:cNvSpPr>
+            <a:spLocks noGrp="1"/>
+          </p:cNvSpPr>
+          <p:nvPr>
+            <p:ph idx="1"/>
+          </p:nvPr>
+        </p:nvSpPr>
+        <p:spPr/>
+        <p:txBody>
+          <a:bodyPr/>
+          <a:lstStyle/>
+          <a:p>
+            <a:r>
+              <a:rPr lang="en-US" dirty="0" smtClean="0"/>
+              <a:t>In the local folder, whenever you make changes </a:t>
+            </a:r>
+            <a:r>
+              <a:rPr lang="en-US" dirty="0" smtClean="0"/>
+              <a:t>to existing files, or add new files to the folder; go back into the </a:t>
+            </a:r>
+            <a:r>
+              <a:rPr lang="en-US" dirty="0" err="1" smtClean="0"/>
+              <a:t>Git</a:t>
+            </a:r>
+            <a:r>
+              <a:rPr lang="en-US" dirty="0" smtClean="0"/>
+              <a:t> Bash window and use these commands in this order, verify you are in the correct folder and then use the following commands</a:t>
+            </a:r>
+          </a:p>
+          <a:p>
+            <a:pPr lvl="1"/>
+            <a:r>
+              <a:rPr lang="en-US" dirty="0" err="1" smtClean="0"/>
+              <a:t>git</a:t>
+            </a:r>
+            <a:r>
+              <a:rPr lang="en-US" dirty="0" smtClean="0"/>
+              <a:t> pull</a:t>
+            </a:r>
+          </a:p>
+          <a:p>
+            <a:pPr lvl="1"/>
+            <a:r>
+              <a:rPr lang="en-US" dirty="0" err="1" smtClean="0"/>
+              <a:t>git</a:t>
+            </a:r>
+            <a:r>
+              <a:rPr lang="en-US" dirty="0" smtClean="0"/>
+              <a:t> </a:t>
+            </a:r>
+            <a:r>
+              <a:rPr lang="en-US" dirty="0" smtClean="0"/>
+              <a:t>add </a:t>
+            </a:r>
+            <a:r>
+              <a:rPr lang="en-US" dirty="0" smtClean="0"/>
+              <a:t>*</a:t>
+            </a:r>
+          </a:p>
+          <a:p>
+            <a:pPr lvl="1"/>
+            <a:r>
+              <a:rPr lang="en-US" dirty="0" err="1" smtClean="0"/>
+              <a:t>git</a:t>
+            </a:r>
+            <a:r>
+              <a:rPr lang="en-US" dirty="0" smtClean="0"/>
+              <a:t> </a:t>
+            </a:r>
+            <a:r>
+              <a:rPr lang="en-US" dirty="0" smtClean="0"/>
+              <a:t>commit </a:t>
+            </a:r>
+            <a:r>
+              <a:rPr lang="en-US" dirty="0" smtClean="0"/>
+              <a:t>–m “insert reminder message here”</a:t>
+            </a:r>
+          </a:p>
+          <a:p>
+            <a:pPr lvl="1"/>
+            <a:r>
+              <a:rPr lang="en-US" dirty="0" err="1" smtClean="0"/>
+              <a:t>git</a:t>
+            </a:r>
+            <a:r>
+              <a:rPr lang="en-US" dirty="0" smtClean="0"/>
+              <a:t> push</a:t>
+            </a:r>
+            <a:endParaRPr lang="en-US" dirty="0" smtClean="0"/>
+          </a:p>
+          <a:p>
+            <a:r>
+              <a:rPr lang="en-US" dirty="0" smtClean="0"/>
+              <a:t>It is a good habit to lead off with </a:t>
+            </a:r>
+            <a:r>
+              <a:rPr lang="en-US" dirty="0" err="1" smtClean="0"/>
+              <a:t>git</a:t>
+            </a:r>
+            <a:r>
+              <a:rPr lang="en-US" dirty="0" smtClean="0"/>
+              <a:t> pull, because you will be using </a:t>
+            </a:r>
+            <a:r>
+              <a:rPr lang="en-US" dirty="0" err="1" smtClean="0"/>
+              <a:t>git</a:t>
+            </a:r>
+            <a:r>
+              <a:rPr lang="en-US" dirty="0" smtClean="0"/>
+              <a:t> often to store your data in backup, and if you are collaborating  than others may be updating at the same time.</a:t>
+            </a:r>
+            <a:endParaRPr lang="en-US" dirty="0" smtClean="0"/>
+          </a:p>
+          <a:p>
+            <a:endParaRPr lang="en-US" dirty="0"/>
+          </a:p>
+        </p:txBody>
+      </p:sp>
+      <p:sp>
+        <p:nvSpPr>
+          <p:cNvPr id="3" name="Date Placeholder 2"/>
           <p:cNvSpPr>
             <a:spLocks noGrp="1"/>
           </p:cNvSpPr>
@@ -9306,7 +9361,7 @@
           <a:bodyPr/>
           <a:lstStyle/>
           <a:p>
-            <a:fld id="{9E28FC91-8A03-41D4-A0F0-F1A32D6695D0}" type="datetime1">
+            <a:fld id="{FBAB9285-8486-4E1E-8748-5885C543539D}" type="datetime1">
               <a:rPr lang="en-US" smtClean="0"/>
               <a:pPr/>
               <a:t>7/21/2022</a:t>
@@ -9317,7 +9372,7 @@
       </p:sp>
       <p:sp>
         <p:nvSpPr>
-          <p:cNvPr id="5" name="Footer Placeholder 4"/>
+          <p:cNvPr id="4" name="Footer Placeholder 3"/>
           <p:cNvSpPr>
             <a:spLocks noGrp="1"/>
           </p:cNvSpPr>
@@ -9341,7 +9396,7 @@
       </p:sp>
       <p:sp>
         <p:nvSpPr>
-          <p:cNvPr id="6" name="Slide Number Placeholder 5"/>
+          <p:cNvPr id="5" name="Slide Number Placeholder 4"/>
           <p:cNvSpPr>
             <a:spLocks noGrp="1"/>
           </p:cNvSpPr>
@@ -9390,7 +9445,7 @@
       </p:grpSpPr>
       <p:sp>
         <p:nvSpPr>
-          <p:cNvPr id="6" name="Title 5"/>
+          <p:cNvPr id="7" name="Title 6"/>
           <p:cNvSpPr>
             <a:spLocks noGrp="1"/>
           </p:cNvSpPr>
@@ -9408,22 +9463,18 @@
               <a:rPr lang="en-US" sz="4400" dirty="0" err="1" smtClean="0"/>
               <a:t>Terraform</a:t>
             </a:r>
-            <a:r>
-              <a:rPr lang="en-US" sz="4400" dirty="0" smtClean="0"/>
-              <a:t> Commands</a:t>
-            </a:r>
             <a:endParaRPr lang="en-US" sz="4400" dirty="0"/>
           </a:p>
         </p:txBody>
       </p:sp>
       <p:sp>
         <p:nvSpPr>
-          <p:cNvPr id="7" name="Content Placeholder 6"/>
-          <p:cNvSpPr>
-            <a:spLocks noGrp="1"/>
-          </p:cNvSpPr>
-          <p:nvPr>
-            <p:ph idx="1"/>
+          <p:cNvPr id="4" name="Date Placeholder 3"/>
+          <p:cNvSpPr>
+            <a:spLocks noGrp="1"/>
+          </p:cNvSpPr>
+          <p:nvPr>
+            <p:ph type="dt" sz="half" idx="10"/>
           </p:nvPr>
         </p:nvSpPr>
         <p:spPr/>
@@ -9431,67 +9482,7 @@
           <a:bodyPr/>
           <a:lstStyle/>
           <a:p>
-            <a:r>
-              <a:rPr lang="en-US" dirty="0" err="1" smtClean="0"/>
-              <a:t>Terraform</a:t>
-            </a:r>
-            <a:r>
-              <a:rPr lang="en-US" dirty="0" smtClean="0"/>
-              <a:t> init</a:t>
-            </a:r>
-          </a:p>
-          <a:p>
-            <a:r>
-              <a:rPr lang="en-US" dirty="0" err="1" smtClean="0"/>
-              <a:t>Terraform</a:t>
-            </a:r>
-            <a:r>
-              <a:rPr lang="en-US" dirty="0" smtClean="0"/>
-              <a:t> plan</a:t>
-            </a:r>
-          </a:p>
-          <a:p>
-            <a:r>
-              <a:rPr lang="en-US" dirty="0" err="1" smtClean="0"/>
-              <a:t>Terraform</a:t>
-            </a:r>
-            <a:r>
-              <a:rPr lang="en-US" smtClean="0"/>
-              <a:t> apply</a:t>
-            </a:r>
-            <a:endParaRPr lang="en-US" dirty="0" smtClean="0"/>
-          </a:p>
-          <a:p>
-            <a:r>
-              <a:rPr lang="en-US" dirty="0" err="1" smtClean="0"/>
-              <a:t>Terraform</a:t>
-            </a:r>
-            <a:r>
-              <a:rPr lang="en-US" dirty="0" smtClean="0"/>
-              <a:t> destroy</a:t>
-            </a:r>
-          </a:p>
-          <a:p>
-            <a:endParaRPr lang="en-US" dirty="0"/>
-          </a:p>
-        </p:txBody>
-      </p:sp>
-      <p:sp>
-        <p:nvSpPr>
-          <p:cNvPr id="3" name="Date Placeholder 2"/>
-          <p:cNvSpPr>
-            <a:spLocks noGrp="1"/>
-          </p:cNvSpPr>
-          <p:nvPr>
-            <p:ph type="dt" sz="half" idx="10"/>
-          </p:nvPr>
-        </p:nvSpPr>
-        <p:spPr/>
-        <p:txBody>
-          <a:bodyPr/>
-          <a:lstStyle/>
-          <a:p>
-            <a:fld id="{FBAB9285-8486-4E1E-8748-5885C543539D}" type="datetime1">
+            <a:fld id="{9E28FC91-8A03-41D4-A0F0-F1A32D6695D0}" type="datetime1">
               <a:rPr lang="en-US" smtClean="0"/>
               <a:pPr/>
               <a:t>7/21/2022</a:t>
@@ -9502,7 +9493,7 @@
       </p:sp>
       <p:sp>
         <p:nvSpPr>
-          <p:cNvPr id="4" name="Footer Placeholder 3"/>
+          <p:cNvPr id="5" name="Footer Placeholder 4"/>
           <p:cNvSpPr>
             <a:spLocks noGrp="1"/>
           </p:cNvSpPr>
@@ -9526,7 +9517,7 @@
       </p:sp>
       <p:sp>
         <p:nvSpPr>
-          <p:cNvPr id="5" name="Slide Number Placeholder 4"/>
+          <p:cNvPr id="6" name="Slide Number Placeholder 5"/>
           <p:cNvSpPr>
             <a:spLocks noGrp="1"/>
           </p:cNvSpPr>
@@ -9575,6 +9566,191 @@
       </p:grpSpPr>
       <p:sp>
         <p:nvSpPr>
+          <p:cNvPr id="6" name="Title 5"/>
+          <p:cNvSpPr>
+            <a:spLocks noGrp="1"/>
+          </p:cNvSpPr>
+          <p:nvPr>
+            <p:ph type="title"/>
+          </p:nvPr>
+        </p:nvSpPr>
+        <p:spPr/>
+        <p:txBody>
+          <a:bodyPr/>
+          <a:lstStyle/>
+          <a:p>
+            <a:pPr algn="ctr"/>
+            <a:r>
+              <a:rPr lang="en-US" sz="4400" dirty="0" err="1" smtClean="0"/>
+              <a:t>Terraform</a:t>
+            </a:r>
+            <a:r>
+              <a:rPr lang="en-US" sz="4400" dirty="0" smtClean="0"/>
+              <a:t> Commands</a:t>
+            </a:r>
+            <a:endParaRPr lang="en-US" sz="4400" dirty="0"/>
+          </a:p>
+        </p:txBody>
+      </p:sp>
+      <p:sp>
+        <p:nvSpPr>
+          <p:cNvPr id="7" name="Content Placeholder 6"/>
+          <p:cNvSpPr>
+            <a:spLocks noGrp="1"/>
+          </p:cNvSpPr>
+          <p:nvPr>
+            <p:ph idx="1"/>
+          </p:nvPr>
+        </p:nvSpPr>
+        <p:spPr/>
+        <p:txBody>
+          <a:bodyPr/>
+          <a:lstStyle/>
+          <a:p>
+            <a:r>
+              <a:rPr lang="en-US" dirty="0" err="1" smtClean="0"/>
+              <a:t>Terraform</a:t>
+            </a:r>
+            <a:r>
+              <a:rPr lang="en-US" dirty="0" smtClean="0"/>
+              <a:t> init</a:t>
+            </a:r>
+          </a:p>
+          <a:p>
+            <a:r>
+              <a:rPr lang="en-US" dirty="0" err="1" smtClean="0"/>
+              <a:t>Terraform</a:t>
+            </a:r>
+            <a:r>
+              <a:rPr lang="en-US" dirty="0" smtClean="0"/>
+              <a:t> plan</a:t>
+            </a:r>
+          </a:p>
+          <a:p>
+            <a:r>
+              <a:rPr lang="en-US" dirty="0" err="1" smtClean="0"/>
+              <a:t>Terraform</a:t>
+            </a:r>
+            <a:r>
+              <a:rPr lang="en-US" smtClean="0"/>
+              <a:t> apply</a:t>
+            </a:r>
+            <a:endParaRPr lang="en-US" dirty="0" smtClean="0"/>
+          </a:p>
+          <a:p>
+            <a:r>
+              <a:rPr lang="en-US" dirty="0" err="1" smtClean="0"/>
+              <a:t>Terraform</a:t>
+            </a:r>
+            <a:r>
+              <a:rPr lang="en-US" dirty="0" smtClean="0"/>
+              <a:t> destroy</a:t>
+            </a:r>
+          </a:p>
+          <a:p>
+            <a:endParaRPr lang="en-US" dirty="0"/>
+          </a:p>
+        </p:txBody>
+      </p:sp>
+      <p:sp>
+        <p:nvSpPr>
+          <p:cNvPr id="3" name="Date Placeholder 2"/>
+          <p:cNvSpPr>
+            <a:spLocks noGrp="1"/>
+          </p:cNvSpPr>
+          <p:nvPr>
+            <p:ph type="dt" sz="half" idx="10"/>
+          </p:nvPr>
+        </p:nvSpPr>
+        <p:spPr/>
+        <p:txBody>
+          <a:bodyPr/>
+          <a:lstStyle/>
+          <a:p>
+            <a:fld id="{FBAB9285-8486-4E1E-8748-5885C543539D}" type="datetime1">
+              <a:rPr lang="en-US" smtClean="0"/>
+              <a:pPr/>
+              <a:t>7/21/2022</a:t>
+            </a:fld>
+            <a:endParaRPr lang="en-US"/>
+          </a:p>
+        </p:txBody>
+      </p:sp>
+      <p:sp>
+        <p:nvSpPr>
+          <p:cNvPr id="4" name="Footer Placeholder 3"/>
+          <p:cNvSpPr>
+            <a:spLocks noGrp="1"/>
+          </p:cNvSpPr>
+          <p:nvPr>
+            <p:ph type="ftr" sz="quarter" idx="11"/>
+          </p:nvPr>
+        </p:nvSpPr>
+        <p:spPr/>
+        <p:txBody>
+          <a:bodyPr/>
+          <a:lstStyle/>
+          <a:p>
+            <a:pPr algn="l"/>
+            <a:r>
+              <a:rPr lang="en-US" smtClean="0"/>
+              <a:t>© Simple Technology Solutions, Inc. | Proprietary and Competition Sensitive</a:t>
+            </a:r>
+            <a:endParaRPr lang="en-US"/>
+          </a:p>
+        </p:txBody>
+      </p:sp>
+      <p:sp>
+        <p:nvSpPr>
+          <p:cNvPr id="5" name="Slide Number Placeholder 4"/>
+          <p:cNvSpPr>
+            <a:spLocks noGrp="1"/>
+          </p:cNvSpPr>
+          <p:nvPr>
+            <p:ph type="sldNum" sz="quarter" idx="12"/>
+          </p:nvPr>
+        </p:nvSpPr>
+        <p:spPr/>
+        <p:txBody>
+          <a:bodyPr/>
+          <a:lstStyle/>
+          <a:p>
+            <a:fld id="{961A4495-CB0D-4CBC-839F-98F89DB11493}" type="slidenum">
+              <a:rPr lang="en-US" smtClean="0"/>
+              <a:pPr/>
+              <a:t>7</a:t>
+            </a:fld>
+            <a:endParaRPr lang="en-US"/>
+          </a:p>
+        </p:txBody>
+      </p:sp>
+    </p:spTree>
+  </p:cSld>
+  <p:clrMapOvr>
+    <a:masterClrMapping/>
+  </p:clrMapOvr>
+</p:sld>
+</file>
+
+<file path=ppt/slides/slide8.xml><?xml version="1.0" encoding="utf-8"?>
+<p:sld xmlns:a="http://schemas.openxmlformats.org/drawingml/2006/main" xmlns:r="http://schemas.openxmlformats.org/officeDocument/2006/relationships" xmlns:p="http://schemas.openxmlformats.org/presentationml/2006/main">
+  <p:cSld>
+    <p:spTree>
+      <p:nvGrpSpPr>
+        <p:cNvPr id="1" name=""/>
+        <p:cNvGrpSpPr/>
+        <p:nvPr/>
+      </p:nvGrpSpPr>
+      <p:grpSpPr>
+        <a:xfrm>
+          <a:off x="0" y="0"/>
+          <a:ext cx="0" cy="0"/>
+          <a:chOff x="0" y="0"/>
+          <a:chExt cx="0" cy="0"/>
+        </a:xfrm>
+      </p:grpSpPr>
+      <p:sp>
+        <p:nvSpPr>
           <p:cNvPr id="7" name="Title 6"/>
           <p:cNvSpPr>
             <a:spLocks noGrp="1"/>
@@ -9663,7 +9839,7 @@
             <a:fld id="{961A4495-CB0D-4CBC-839F-98F89DB11493}" type="slidenum">
               <a:rPr lang="en-US" smtClean="0"/>
               <a:pPr/>
-              <a:t>7</a:t>
+              <a:t>8</a:t>
             </a:fld>
             <a:endParaRPr lang="en-US"/>
           </a:p>

--- a/Week3-GitHub_And_Terraform.pptx
+++ b/Week3-GitHub_And_Terraform.pptx
@@ -9084,6 +9084,50 @@
               <a:rPr lang="en-US" dirty="0" smtClean="0"/>
               <a:t> site).</a:t>
             </a:r>
+          </a:p>
+          <a:p>
+            <a:endParaRPr lang="en-US" dirty="0" smtClean="0"/>
+          </a:p>
+          <a:p>
+            <a:r>
+              <a:rPr lang="en-US" dirty="0" smtClean="0"/>
+              <a:t>NOTE: </a:t>
+            </a:r>
+          </a:p>
+          <a:p>
+            <a:pPr lvl="1"/>
+            <a:r>
+              <a:rPr lang="en-US" dirty="0" smtClean="0"/>
+              <a:t>If you do not use the </a:t>
+            </a:r>
+            <a:r>
+              <a:rPr lang="en-US" dirty="0" err="1" smtClean="0"/>
+              <a:t>git</a:t>
+            </a:r>
+            <a:r>
+              <a:rPr lang="en-US" dirty="0" smtClean="0"/>
+              <a:t> clone command to create your folder, you may experience future issues while using either Visual Studio, or </a:t>
+            </a:r>
+            <a:r>
+              <a:rPr lang="en-US" dirty="0" err="1" smtClean="0"/>
+              <a:t>Git</a:t>
+            </a:r>
+            <a:r>
+              <a:rPr lang="en-US" dirty="0" smtClean="0"/>
+              <a:t> Bash </a:t>
+            </a:r>
+            <a:r>
+              <a:rPr lang="en-US" sz="1200" dirty="0" smtClean="0"/>
+              <a:t>(goodness. it should be a smoking hazard warning from the headaches I was having for two weeks just getting the basics to work properly. Tony was right, </a:t>
+            </a:r>
+            <a:r>
+              <a:rPr lang="en-US" sz="1200" dirty="0" err="1" smtClean="0"/>
+              <a:t>Imran</a:t>
+            </a:r>
+            <a:r>
+              <a:rPr lang="en-US" sz="1200" dirty="0" smtClean="0"/>
+              <a:t> was extremely helpful for understanding my issues and getting past them so the basics could work again.)</a:t>
+            </a:r>
             <a:endParaRPr lang="en-US" dirty="0" smtClean="0"/>
           </a:p>
         </p:txBody>
